--- a/Vizsgaremek.pptx
+++ b/Vizsgaremek.pptx
@@ -9,14 +9,16 @@
     <p:sldId id="257" r:id="rId3"/>
     <p:sldId id="258" r:id="rId4"/>
     <p:sldId id="259" r:id="rId5"/>
-    <p:sldId id="264" r:id="rId6"/>
-    <p:sldId id="263" r:id="rId7"/>
-    <p:sldId id="261" r:id="rId8"/>
-    <p:sldId id="265" r:id="rId9"/>
-    <p:sldId id="267" r:id="rId10"/>
-    <p:sldId id="266" r:id="rId11"/>
-    <p:sldId id="262" r:id="rId12"/>
-    <p:sldId id="260" r:id="rId13"/>
+    <p:sldId id="268" r:id="rId6"/>
+    <p:sldId id="269" r:id="rId7"/>
+    <p:sldId id="270" r:id="rId8"/>
+    <p:sldId id="263" r:id="rId9"/>
+    <p:sldId id="261" r:id="rId10"/>
+    <p:sldId id="265" r:id="rId11"/>
+    <p:sldId id="267" r:id="rId12"/>
+    <p:sldId id="266" r:id="rId13"/>
+    <p:sldId id="262" r:id="rId14"/>
+    <p:sldId id="260" r:id="rId15"/>
   </p:sldIdLst>
   <p:sldSz cx="12192000" cy="6858000"/>
   <p:notesSz cx="6858000" cy="9144000"/>
@@ -3263,8 +3265,8 @@
           <a:p>
             <a:pPr algn="ctr"/>
             <a:r>
-              <a:rPr lang="hu-HU" sz="4000" dirty="0"/>
-              <a:t>Frontend Testing</a:t>
+              <a:rPr lang="en-US" sz="4000" dirty="0"/>
+              <a:t>Forms and interactions</a:t>
             </a:r>
             <a:endParaRPr lang="hu-HU" sz="4000" b="1" dirty="0"/>
           </a:p>
@@ -3278,8 +3280,8 @@
         </p:nvSpPr>
         <p:spPr>
           <a:xfrm>
-            <a:off x="2097879" y="2521059"/>
-            <a:ext cx="7996239" cy="954107"/>
+            <a:off x="3536154" y="2540109"/>
+            <a:ext cx="7996239" cy="1384995"/>
           </a:xfrm>
           <a:prstGeom prst="rect">
             <a:avLst/>
@@ -3298,19 +3300,7 @@
             </a:pPr>
             <a:r>
               <a:rPr lang="en-US" sz="2800" dirty="0"/>
-              <a:t>Browser compatibility: Chrome, Firefox</a:t>
-            </a:r>
-            <a:r>
-              <a:rPr lang="hu-HU" sz="2800" dirty="0"/>
-              <a:t>, </a:t>
-            </a:r>
-            <a:r>
-              <a:rPr lang="hu-HU" sz="2800" dirty="0" err="1"/>
-              <a:t>Brave</a:t>
-            </a:r>
-            <a:r>
-              <a:rPr lang="en-US" sz="2800" dirty="0"/>
-              <a:t>, Edge</a:t>
+              <a:t>Validation at login and data entry</a:t>
             </a:r>
             <a:endParaRPr lang="hu-HU" sz="2800" dirty="0"/>
           </a:p>
@@ -3321,7 +3311,18 @@
             </a:pPr>
             <a:r>
               <a:rPr lang="en-US" sz="2800" dirty="0"/>
-              <a:t>Check responsiveness on different devices</a:t>
+              <a:t>Display error messages</a:t>
+            </a:r>
+            <a:endParaRPr lang="hu-HU" sz="2800" dirty="0"/>
+          </a:p>
+          <a:p>
+            <a:pPr marL="285750" indent="-285750">
+              <a:buFont typeface="Arial" panose="020B0604020202020204" pitchFamily="34" charset="0"/>
+              <a:buChar char="•"/>
+            </a:pPr>
+            <a:r>
+              <a:rPr lang="en-US" sz="2800" dirty="0"/>
+              <a:t>Dynamic fields</a:t>
             </a:r>
             <a:endParaRPr lang="hu-HU" sz="2800" dirty="0"/>
           </a:p>
@@ -3330,7 +3331,7 @@
     </p:spTree>
     <p:extLst>
       <p:ext uri="{BB962C8B-B14F-4D97-AF65-F5344CB8AC3E}">
-        <p14:creationId xmlns:p14="http://schemas.microsoft.com/office/powerpoint/2010/main" val="1862147114"/>
+        <p14:creationId xmlns:p14="http://schemas.microsoft.com/office/powerpoint/2010/main" val="1146534118"/>
       </p:ext>
     </p:extLst>
   </p:cSld>
@@ -3441,21 +3442,10 @@
           <a:p>
             <a:pPr algn="ctr"/>
             <a:r>
-              <a:rPr lang="hu-HU" sz="4000" b="1" dirty="0" err="1"/>
-              <a:t>Future</a:t>
-            </a:r>
-            <a:r>
-              <a:rPr lang="hu-HU" sz="4000" b="1" dirty="0"/>
-              <a:t> of </a:t>
-            </a:r>
-            <a:r>
-              <a:rPr lang="hu-HU" sz="4000" b="1" dirty="0" err="1"/>
-              <a:t>this</a:t>
-            </a:r>
-            <a:r>
-              <a:rPr lang="hu-HU" sz="4000" b="1" dirty="0"/>
-              <a:t> project</a:t>
-            </a:r>
+              <a:rPr lang="hu-HU" sz="4000" dirty="0"/>
+              <a:t>UI and UX</a:t>
+            </a:r>
+            <a:endParaRPr lang="hu-HU" sz="4000" b="1" dirty="0"/>
           </a:p>
         </p:txBody>
       </p:sp>
@@ -3467,8 +3457,374 @@
         </p:nvSpPr>
         <p:spPr>
           <a:xfrm>
-            <a:off x="2238375" y="2721113"/>
-            <a:ext cx="6029325" cy="954107"/>
+            <a:off x="3638549" y="2736502"/>
+            <a:ext cx="8553449" cy="1384995"/>
+          </a:xfrm>
+          <a:prstGeom prst="rect">
+            <a:avLst/>
+          </a:prstGeom>
+          <a:noFill/>
+        </p:spPr>
+        <p:txBody>
+          <a:bodyPr wrap="square" rtlCol="0">
+            <a:spAutoFit/>
+          </a:bodyPr>
+          <a:lstStyle/>
+          <a:p>
+            <a:pPr marL="285750" indent="-285750">
+              <a:buFont typeface="Arial" panose="020B0604020202020204" pitchFamily="34" charset="0"/>
+              <a:buChar char="•"/>
+            </a:pPr>
+            <a:r>
+              <a:rPr lang="en-US" sz="2800" dirty="0"/>
+              <a:t>Recyclable components</a:t>
+            </a:r>
+            <a:endParaRPr lang="hu-HU" sz="2800" dirty="0"/>
+          </a:p>
+          <a:p>
+            <a:pPr marL="285750" indent="-285750">
+              <a:buFont typeface="Arial" panose="020B0604020202020204" pitchFamily="34" charset="0"/>
+              <a:buChar char="•"/>
+            </a:pPr>
+            <a:r>
+              <a:rPr lang="en-US" sz="2800" dirty="0"/>
+              <a:t>Consistent design and logic </a:t>
+            </a:r>
+            <a:endParaRPr lang="hu-HU" sz="2800" dirty="0"/>
+          </a:p>
+          <a:p>
+            <a:pPr marL="285750" indent="-285750">
+              <a:buFont typeface="Arial" panose="020B0604020202020204" pitchFamily="34" charset="0"/>
+              <a:buChar char="•"/>
+            </a:pPr>
+            <a:r>
+              <a:rPr lang="en-US" sz="2800" dirty="0"/>
+              <a:t>Troubleshooting and feedback</a:t>
+            </a:r>
+            <a:endParaRPr lang="hu-HU" sz="2800" dirty="0"/>
+          </a:p>
+        </p:txBody>
+      </p:sp>
+    </p:spTree>
+    <p:extLst>
+      <p:ext uri="{BB962C8B-B14F-4D97-AF65-F5344CB8AC3E}">
+        <p14:creationId xmlns:p14="http://schemas.microsoft.com/office/powerpoint/2010/main" val="3197951341"/>
+      </p:ext>
+    </p:extLst>
+  </p:cSld>
+  <p:clrMapOvr>
+    <a:masterClrMapping/>
+  </p:clrMapOvr>
+</p:sld>
+</file>
+
+<file path=ppt/slides/slide12.xml><?xml version="1.0" encoding="utf-8"?>
+<p:sld xmlns:a="http://schemas.openxmlformats.org/drawingml/2006/main" xmlns:r="http://schemas.openxmlformats.org/officeDocument/2006/relationships" xmlns:p="http://schemas.openxmlformats.org/presentationml/2006/main">
+  <p:cSld>
+    <p:bg>
+      <p:bgPr>
+        <a:blipFill dpi="0" rotWithShape="1">
+          <a:blip r:embed="rId2">
+            <a:lum/>
+          </a:blip>
+          <a:srcRect/>
+          <a:stretch>
+            <a:fillRect r="50000"/>
+          </a:stretch>
+        </a:blipFill>
+        <a:effectLst/>
+      </p:bgPr>
+    </p:bg>
+    <p:spTree>
+      <p:nvGrpSpPr>
+        <p:cNvPr id="1" name=""/>
+        <p:cNvGrpSpPr/>
+        <p:nvPr/>
+      </p:nvGrpSpPr>
+      <p:grpSpPr>
+        <a:xfrm>
+          <a:off x="0" y="0"/>
+          <a:ext cx="0" cy="0"/>
+          <a:chOff x="0" y="0"/>
+          <a:chExt cx="0" cy="0"/>
+        </a:xfrm>
+      </p:grpSpPr>
+      <p:sp>
+        <p:nvSpPr>
+          <p:cNvPr id="6" name="Téglalap 5"/>
+          <p:cNvSpPr/>
+          <p:nvPr/>
+        </p:nvSpPr>
+        <p:spPr>
+          <a:xfrm>
+            <a:off x="6095999" y="0"/>
+            <a:ext cx="6096001" cy="6858000"/>
+          </a:xfrm>
+          <a:prstGeom prst="rect">
+            <a:avLst/>
+          </a:prstGeom>
+          <a:solidFill>
+            <a:srgbClr val="FFFFFF"/>
+          </a:solidFill>
+          <a:ln>
+            <a:noFill/>
+          </a:ln>
+        </p:spPr>
+        <p:style>
+          <a:lnRef idx="2">
+            <a:schemeClr val="accent1">
+              <a:shade val="50000"/>
+            </a:schemeClr>
+          </a:lnRef>
+          <a:fillRef idx="1">
+            <a:schemeClr val="accent1"/>
+          </a:fillRef>
+          <a:effectRef idx="0">
+            <a:schemeClr val="accent1"/>
+          </a:effectRef>
+          <a:fontRef idx="minor">
+            <a:schemeClr val="lt1"/>
+          </a:fontRef>
+        </p:style>
+        <p:txBody>
+          <a:bodyPr rtlCol="0" anchor="ctr"/>
+          <a:lstStyle/>
+          <a:p>
+            <a:pPr algn="ctr"/>
+            <a:endParaRPr lang="hu-HU"/>
+          </a:p>
+        </p:txBody>
+      </p:sp>
+      <p:sp>
+        <p:nvSpPr>
+          <p:cNvPr id="8" name="Szövegdoboz 7"/>
+          <p:cNvSpPr txBox="1"/>
+          <p:nvPr/>
+        </p:nvSpPr>
+        <p:spPr>
+          <a:xfrm>
+            <a:off x="-1" y="0"/>
+            <a:ext cx="12192000" cy="707886"/>
+          </a:xfrm>
+          <a:prstGeom prst="rect">
+            <a:avLst/>
+          </a:prstGeom>
+          <a:noFill/>
+        </p:spPr>
+        <p:txBody>
+          <a:bodyPr wrap="square" rtlCol="0">
+            <a:spAutoFit/>
+          </a:bodyPr>
+          <a:lstStyle/>
+          <a:p>
+            <a:pPr algn="ctr"/>
+            <a:r>
+              <a:rPr lang="hu-HU" sz="4000" dirty="0"/>
+              <a:t>Frontend Testing</a:t>
+            </a:r>
+            <a:endParaRPr lang="hu-HU" sz="4000" b="1" dirty="0"/>
+          </a:p>
+        </p:txBody>
+      </p:sp>
+      <p:sp>
+        <p:nvSpPr>
+          <p:cNvPr id="2" name="Szövegdoboz 1"/>
+          <p:cNvSpPr txBox="1"/>
+          <p:nvPr/>
+        </p:nvSpPr>
+        <p:spPr>
+          <a:xfrm>
+            <a:off x="3705225" y="2521059"/>
+            <a:ext cx="6388893" cy="1815882"/>
+          </a:xfrm>
+          <a:prstGeom prst="rect">
+            <a:avLst/>
+          </a:prstGeom>
+          <a:noFill/>
+        </p:spPr>
+        <p:txBody>
+          <a:bodyPr wrap="square" rtlCol="0">
+            <a:spAutoFit/>
+          </a:bodyPr>
+          <a:lstStyle/>
+          <a:p>
+            <a:pPr marL="285750" indent="-285750">
+              <a:buFont typeface="Arial" panose="020B0604020202020204" pitchFamily="34" charset="0"/>
+              <a:buChar char="•"/>
+            </a:pPr>
+            <a:r>
+              <a:rPr lang="en-US" sz="2800" dirty="0"/>
+              <a:t>Browser compatibility: Chrome, Firefox</a:t>
+            </a:r>
+            <a:r>
+              <a:rPr lang="hu-HU" sz="2800" dirty="0"/>
+              <a:t>, </a:t>
+            </a:r>
+            <a:r>
+              <a:rPr lang="hu-HU" sz="2800" dirty="0" err="1"/>
+              <a:t>Brave</a:t>
+            </a:r>
+            <a:r>
+              <a:rPr lang="en-US" sz="2800" dirty="0"/>
+              <a:t>, Edge</a:t>
+            </a:r>
+            <a:endParaRPr lang="hu-HU" sz="2800" dirty="0"/>
+          </a:p>
+          <a:p>
+            <a:pPr marL="285750" indent="-285750">
+              <a:buFont typeface="Arial" panose="020B0604020202020204" pitchFamily="34" charset="0"/>
+              <a:buChar char="•"/>
+            </a:pPr>
+            <a:r>
+              <a:rPr lang="en-US" sz="2800" dirty="0"/>
+              <a:t>Check responsiveness on different devices</a:t>
+            </a:r>
+            <a:endParaRPr lang="hu-HU" sz="2800" dirty="0"/>
+          </a:p>
+        </p:txBody>
+      </p:sp>
+    </p:spTree>
+    <p:extLst>
+      <p:ext uri="{BB962C8B-B14F-4D97-AF65-F5344CB8AC3E}">
+        <p14:creationId xmlns:p14="http://schemas.microsoft.com/office/powerpoint/2010/main" val="1862147114"/>
+      </p:ext>
+    </p:extLst>
+  </p:cSld>
+  <p:clrMapOvr>
+    <a:masterClrMapping/>
+  </p:clrMapOvr>
+</p:sld>
+</file>
+
+<file path=ppt/slides/slide13.xml><?xml version="1.0" encoding="utf-8"?>
+<p:sld xmlns:a="http://schemas.openxmlformats.org/drawingml/2006/main" xmlns:r="http://schemas.openxmlformats.org/officeDocument/2006/relationships" xmlns:p="http://schemas.openxmlformats.org/presentationml/2006/main">
+  <p:cSld>
+    <p:bg>
+      <p:bgPr>
+        <a:blipFill dpi="0" rotWithShape="1">
+          <a:blip r:embed="rId2">
+            <a:lum/>
+          </a:blip>
+          <a:srcRect/>
+          <a:stretch>
+            <a:fillRect r="50000"/>
+          </a:stretch>
+        </a:blipFill>
+        <a:effectLst/>
+      </p:bgPr>
+    </p:bg>
+    <p:spTree>
+      <p:nvGrpSpPr>
+        <p:cNvPr id="1" name=""/>
+        <p:cNvGrpSpPr/>
+        <p:nvPr/>
+      </p:nvGrpSpPr>
+      <p:grpSpPr>
+        <a:xfrm>
+          <a:off x="0" y="0"/>
+          <a:ext cx="0" cy="0"/>
+          <a:chOff x="0" y="0"/>
+          <a:chExt cx="0" cy="0"/>
+        </a:xfrm>
+      </p:grpSpPr>
+      <p:sp>
+        <p:nvSpPr>
+          <p:cNvPr id="6" name="Téglalap 5"/>
+          <p:cNvSpPr/>
+          <p:nvPr/>
+        </p:nvSpPr>
+        <p:spPr>
+          <a:xfrm>
+            <a:off x="6095999" y="0"/>
+            <a:ext cx="6096001" cy="6858000"/>
+          </a:xfrm>
+          <a:prstGeom prst="rect">
+            <a:avLst/>
+          </a:prstGeom>
+          <a:solidFill>
+            <a:srgbClr val="FFFFFF"/>
+          </a:solidFill>
+          <a:ln>
+            <a:noFill/>
+          </a:ln>
+        </p:spPr>
+        <p:style>
+          <a:lnRef idx="2">
+            <a:schemeClr val="accent1">
+              <a:shade val="50000"/>
+            </a:schemeClr>
+          </a:lnRef>
+          <a:fillRef idx="1">
+            <a:schemeClr val="accent1"/>
+          </a:fillRef>
+          <a:effectRef idx="0">
+            <a:schemeClr val="accent1"/>
+          </a:effectRef>
+          <a:fontRef idx="minor">
+            <a:schemeClr val="lt1"/>
+          </a:fontRef>
+        </p:style>
+        <p:txBody>
+          <a:bodyPr rtlCol="0" anchor="ctr"/>
+          <a:lstStyle/>
+          <a:p>
+            <a:pPr algn="ctr"/>
+            <a:endParaRPr lang="hu-HU"/>
+          </a:p>
+        </p:txBody>
+      </p:sp>
+      <p:sp>
+        <p:nvSpPr>
+          <p:cNvPr id="8" name="Szövegdoboz 7"/>
+          <p:cNvSpPr txBox="1"/>
+          <p:nvPr/>
+        </p:nvSpPr>
+        <p:spPr>
+          <a:xfrm>
+            <a:off x="-1" y="0"/>
+            <a:ext cx="12192000" cy="707886"/>
+          </a:xfrm>
+          <a:prstGeom prst="rect">
+            <a:avLst/>
+          </a:prstGeom>
+          <a:noFill/>
+        </p:spPr>
+        <p:txBody>
+          <a:bodyPr wrap="square" rtlCol="0">
+            <a:spAutoFit/>
+          </a:bodyPr>
+          <a:lstStyle/>
+          <a:p>
+            <a:pPr algn="ctr"/>
+            <a:r>
+              <a:rPr lang="hu-HU" sz="4000" b="1" dirty="0" err="1"/>
+              <a:t>Future</a:t>
+            </a:r>
+            <a:r>
+              <a:rPr lang="hu-HU" sz="4000" b="1" dirty="0"/>
+              <a:t> of </a:t>
+            </a:r>
+            <a:r>
+              <a:rPr lang="hu-HU" sz="4000" b="1" dirty="0" err="1"/>
+              <a:t>this</a:t>
+            </a:r>
+            <a:r>
+              <a:rPr lang="hu-HU" sz="4000" b="1" dirty="0"/>
+              <a:t> project</a:t>
+            </a:r>
+          </a:p>
+        </p:txBody>
+      </p:sp>
+      <p:sp>
+        <p:nvSpPr>
+          <p:cNvPr id="2" name="Szövegdoboz 1"/>
+          <p:cNvSpPr txBox="1"/>
+          <p:nvPr/>
+        </p:nvSpPr>
+        <p:spPr>
+          <a:xfrm>
+            <a:off x="3667125" y="2721113"/>
+            <a:ext cx="5800725" cy="954107"/>
           </a:xfrm>
           <a:prstGeom prst="rect">
             <a:avLst/>
@@ -3557,7 +3913,7 @@
 </p:sld>
 </file>
 
-<file path=ppt/slides/slide12.xml><?xml version="1.0" encoding="utf-8"?>
+<file path=ppt/slides/slide14.xml><?xml version="1.0" encoding="utf-8"?>
 <p:sld xmlns:a="http://schemas.openxmlformats.org/drawingml/2006/main" xmlns:r="http://schemas.openxmlformats.org/officeDocument/2006/relationships" xmlns:p="http://schemas.openxmlformats.org/presentationml/2006/main">
   <p:cSld>
     <p:bg>
@@ -3849,12 +4205,14 @@
         </p:nvSpPr>
         <p:spPr>
           <a:xfrm>
-            <a:off x="1971675" y="2039938"/>
-            <a:ext cx="9144000" cy="1655762"/>
-          </a:xfrm>
-        </p:spPr>
-        <p:txBody>
-          <a:bodyPr/>
+            <a:off x="2647949" y="2039938"/>
+            <a:ext cx="8467725" cy="1655762"/>
+          </a:xfrm>
+        </p:spPr>
+        <p:txBody>
+          <a:bodyPr>
+            <a:normAutofit lnSpcReduction="10000"/>
+          </a:bodyPr>
           <a:lstStyle/>
           <a:p>
             <a:pPr marL="342900" indent="-342900">
@@ -3862,29 +4220,61 @@
               <a:buChar char="•"/>
             </a:pPr>
             <a:r>
-              <a:rPr lang="hu-HU" dirty="0" err="1"/>
-              <a:t>User</a:t>
-            </a:r>
-            <a:r>
-              <a:rPr lang="hu-HU" dirty="0"/>
-              <a:t> </a:t>
-            </a:r>
-            <a:r>
-              <a:rPr lang="hu-HU" dirty="0" err="1"/>
-              <a:t>friendly</a:t>
-            </a:r>
-            <a:r>
-              <a:rPr lang="hu-HU" dirty="0"/>
-              <a:t>, modern and </a:t>
-            </a:r>
-            <a:r>
-              <a:rPr lang="hu-HU" dirty="0" err="1"/>
-              <a:t>minimalist</a:t>
-            </a:r>
-            <a:r>
-              <a:rPr lang="hu-HU" dirty="0"/>
-              <a:t> design</a:t>
-            </a:r>
+              <a:rPr lang="hu-HU" b="1" dirty="0"/>
+              <a:t>D</a:t>
+            </a:r>
+            <a:r>
+              <a:rPr lang="en-US" sz="2400" b="1" dirty="0" err="1"/>
+              <a:t>esign</a:t>
+            </a:r>
+            <a:r>
+              <a:rPr lang="en-US" sz="2400" b="1" dirty="0"/>
+              <a:t> and implement an ERP system </a:t>
+            </a:r>
+            <a:r>
+              <a:rPr lang="en-US" sz="2400" dirty="0"/>
+              <a:t>for a real, physically operating store called Botanika </a:t>
+            </a:r>
+            <a:r>
+              <a:rPr lang="en-US" sz="2400" dirty="0" err="1"/>
+              <a:t>Kft</a:t>
+            </a:r>
+            <a:r>
+              <a:rPr lang="en-US" sz="2400" dirty="0"/>
+              <a:t>.</a:t>
+            </a:r>
+          </a:p>
+          <a:p>
+            <a:pPr marL="342900" indent="-342900">
+              <a:buFont typeface="Arial" panose="020B0604020202020204" pitchFamily="34" charset="0"/>
+              <a:buChar char="•"/>
+            </a:pPr>
+            <a:endParaRPr lang="hu-HU" dirty="0"/>
+          </a:p>
+          <a:p>
+            <a:pPr marL="342900" indent="-342900">
+              <a:buFont typeface="Arial" panose="020B0604020202020204" pitchFamily="34" charset="0"/>
+              <a:buChar char="•"/>
+            </a:pPr>
+            <a:r>
+              <a:rPr lang="en-US" sz="2400" dirty="0"/>
+              <a:t>Our ERP (Enterprise Resource Planning) system is called </a:t>
+            </a:r>
+            <a:r>
+              <a:rPr lang="en-US" sz="2400" b="1" dirty="0" err="1"/>
+              <a:t>sERPa</a:t>
+            </a:r>
+            <a:r>
+              <a:rPr lang="en-US" sz="2400" dirty="0"/>
+              <a:t>.</a:t>
+            </a:r>
+          </a:p>
+          <a:p>
+            <a:pPr marL="342900" indent="-342900">
+              <a:buFont typeface="Arial" panose="020B0604020202020204" pitchFamily="34" charset="0"/>
+              <a:buChar char="•"/>
+            </a:pPr>
+            <a:endParaRPr lang="hu-HU" dirty="0"/>
           </a:p>
         </p:txBody>
       </p:sp>
@@ -4794,7 +5184,10 @@
           <a:lstStyle/>
           <a:p>
             <a:pPr algn="ctr"/>
-            <a:endParaRPr lang="hu-HU"/>
+            <a:r>
+              <a:rPr lang="hu-HU" dirty="0"/>
+              <a:t>t</a:t>
+            </a:r>
           </a:p>
         </p:txBody>
       </p:sp>
@@ -4822,8 +5215,20 @@
           <a:p>
             <a:pPr algn="ctr"/>
             <a:r>
+              <a:rPr lang="hu-HU" sz="4000" b="1" dirty="0"/>
+              <a:t>Main </a:t>
+            </a:r>
+            <a:r>
               <a:rPr lang="hu-HU" sz="4000" b="1" dirty="0" err="1"/>
-              <a:t>Database</a:t>
+              <a:t>tables</a:t>
+            </a:r>
+            <a:r>
+              <a:rPr lang="hu-HU" sz="4000" b="1" dirty="0"/>
+              <a:t> and </a:t>
+            </a:r>
+            <a:r>
+              <a:rPr lang="hu-HU" sz="4000" b="1" dirty="0" err="1"/>
+              <a:t>triggers</a:t>
             </a:r>
             <a:endParaRPr lang="hu-HU" sz="4000" b="1" dirty="0"/>
           </a:p>
@@ -4837,8 +5242,8 @@
         </p:nvSpPr>
         <p:spPr>
           <a:xfrm>
-            <a:off x="2357436" y="2090172"/>
-            <a:ext cx="7477125" cy="2677656"/>
+            <a:off x="1840705" y="2459504"/>
+            <a:ext cx="3017046" cy="2554545"/>
           </a:xfrm>
           <a:prstGeom prst="rect">
             <a:avLst/>
@@ -4851,55 +5256,379 @@
           </a:bodyPr>
           <a:lstStyle/>
           <a:p>
-            <a:pPr marL="285750" indent="-285750">
+            <a:pPr marL="342900" indent="-342900">
               <a:buFont typeface="Arial" panose="020B0604020202020204" pitchFamily="34" charset="0"/>
               <a:buChar char="•"/>
             </a:pPr>
             <a:r>
-              <a:rPr lang="en-US" sz="2800" dirty="0"/>
-              <a:t>sales - sales (date, partner ID, seller ID)</a:t>
-            </a:r>
-            <a:endParaRPr lang="hu-HU" sz="2800" dirty="0"/>
-          </a:p>
-          <a:p>
-            <a:pPr marL="285750" indent="-285750">
+              <a:rPr lang="hu-HU" sz="2000" b="1" dirty="0" err="1"/>
+              <a:t>tbl_customers</a:t>
+            </a:r>
+            <a:endParaRPr lang="hu-HU" sz="2000" b="1" dirty="0"/>
+          </a:p>
+          <a:p>
+            <a:pPr marL="342900" indent="-342900">
               <a:buFont typeface="Arial" panose="020B0604020202020204" pitchFamily="34" charset="0"/>
               <a:buChar char="•"/>
             </a:pPr>
             <a:r>
-              <a:rPr lang="en-US" sz="2800" dirty="0"/>
-              <a:t>products - products (name, price, stock)</a:t>
-            </a:r>
-            <a:endParaRPr lang="hu-HU" sz="2800" dirty="0"/>
-          </a:p>
-          <a:p>
-            <a:pPr marL="285750" indent="-285750">
+              <a:rPr lang="hu-HU" sz="2000" b="1" dirty="0" err="1"/>
+              <a:t>tbl_staff</a:t>
+            </a:r>
+            <a:endParaRPr lang="hu-HU" sz="2000" b="1" dirty="0"/>
+          </a:p>
+          <a:p>
+            <a:pPr marL="342900" indent="-342900">
               <a:buFont typeface="Arial" panose="020B0604020202020204" pitchFamily="34" charset="0"/>
               <a:buChar char="•"/>
             </a:pPr>
             <a:r>
-              <a:rPr lang="en-US" sz="2800" dirty="0"/>
-              <a:t>partners - partners (company name, tax number, address)</a:t>
-            </a:r>
-            <a:endParaRPr lang="hu-HU" sz="2800" dirty="0"/>
-          </a:p>
-          <a:p>
-            <a:pPr marL="285750" indent="-285750">
+              <a:rPr lang="hu-HU" sz="2000" b="1" dirty="0" err="1"/>
+              <a:t>tbl_enter</a:t>
+            </a:r>
+            <a:endParaRPr lang="hu-HU" sz="2000" b="1" dirty="0"/>
+          </a:p>
+          <a:p>
+            <a:pPr marL="342900" indent="-342900">
               <a:buFont typeface="Arial" panose="020B0604020202020204" pitchFamily="34" charset="0"/>
               <a:buChar char="•"/>
             </a:pPr>
             <a:r>
-              <a:rPr lang="en-US" sz="2800" dirty="0"/>
-              <a:t>employees - employees (name, email, password, role, position)</a:t>
-            </a:r>
-            <a:endParaRPr lang="hu-HU" sz="2800" dirty="0"/>
+              <a:rPr lang="hu-HU" sz="2000" b="1" dirty="0" err="1"/>
+              <a:t>tbl_qualification</a:t>
+            </a:r>
+            <a:endParaRPr lang="hu-HU" sz="2000" b="1" dirty="0"/>
+          </a:p>
+          <a:p>
+            <a:pPr marL="342900" indent="-342900">
+              <a:buFont typeface="Arial" panose="020B0604020202020204" pitchFamily="34" charset="0"/>
+              <a:buChar char="•"/>
+            </a:pPr>
+            <a:r>
+              <a:rPr lang="hu-HU" sz="2000" b="1" dirty="0" err="1"/>
+              <a:t>tbl_mycompany</a:t>
+            </a:r>
+            <a:endParaRPr lang="hu-HU" sz="2000" b="1" dirty="0"/>
+          </a:p>
+          <a:p>
+            <a:pPr marL="342900" indent="-342900">
+              <a:buFont typeface="Arial" panose="020B0604020202020204" pitchFamily="34" charset="0"/>
+              <a:buChar char="•"/>
+            </a:pPr>
+            <a:r>
+              <a:rPr lang="hu-HU" sz="2000" b="1" dirty="0" err="1"/>
+              <a:t>tbl_product</a:t>
+            </a:r>
+            <a:endParaRPr lang="hu-HU" sz="2000" b="1" dirty="0"/>
+          </a:p>
+          <a:p>
+            <a:pPr marL="342900" indent="-342900">
+              <a:buFont typeface="Arial" panose="020B0604020202020204" pitchFamily="34" charset="0"/>
+              <a:buChar char="•"/>
+            </a:pPr>
+            <a:endParaRPr lang="hu-HU" sz="2000" b="1" dirty="0"/>
+          </a:p>
+          <a:p>
+            <a:pPr marL="342900" indent="-342900">
+              <a:buFont typeface="Arial" panose="020B0604020202020204" pitchFamily="34" charset="0"/>
+              <a:buChar char="•"/>
+            </a:pPr>
+            <a:endParaRPr lang="hu-HU" sz="2000" dirty="0"/>
+          </a:p>
+        </p:txBody>
+      </p:sp>
+      <p:sp>
+        <p:nvSpPr>
+          <p:cNvPr id="4" name="Szövegdoboz 3">
+            <a:extLst>
+              <a:ext uri="{FF2B5EF4-FFF2-40B4-BE49-F238E27FC236}">
+                <a16:creationId xmlns:a16="http://schemas.microsoft.com/office/drawing/2014/main" id="{77C842FE-00F3-EDD2-C1EE-5DE3B763BACA}"/>
+              </a:ext>
+            </a:extLst>
+          </p:cNvPr>
+          <p:cNvSpPr txBox="1"/>
+          <p:nvPr/>
+        </p:nvSpPr>
+        <p:spPr>
+          <a:xfrm>
+            <a:off x="7617619" y="2151727"/>
+            <a:ext cx="5657850" cy="2554545"/>
+          </a:xfrm>
+          <a:prstGeom prst="rect">
+            <a:avLst/>
+          </a:prstGeom>
+          <a:noFill/>
+        </p:spPr>
+        <p:txBody>
+          <a:bodyPr wrap="square" rtlCol="0">
+            <a:spAutoFit/>
+          </a:bodyPr>
+          <a:lstStyle/>
+          <a:p>
+            <a:pPr marL="342900" indent="-342900">
+              <a:buFont typeface="Arial" panose="020B0604020202020204" pitchFamily="34" charset="0"/>
+              <a:buChar char="•"/>
+            </a:pPr>
+            <a:endParaRPr lang="hu-HU" sz="2000" dirty="0"/>
+          </a:p>
+          <a:p>
+            <a:pPr marL="342900" indent="-342900">
+              <a:buFont typeface="Arial" panose="020B0604020202020204" pitchFamily="34" charset="0"/>
+              <a:buChar char="•"/>
+            </a:pPr>
+            <a:r>
+              <a:rPr lang="hu-HU" sz="2000" b="1" dirty="0" err="1"/>
+              <a:t>calculate_total_price_on_insert_sale</a:t>
+            </a:r>
+            <a:endParaRPr lang="hu-HU" sz="2000" dirty="0"/>
+          </a:p>
+          <a:p>
+            <a:pPr marL="342900" indent="-342900">
+              <a:buFont typeface="Arial" panose="020B0604020202020204" pitchFamily="34" charset="0"/>
+              <a:buChar char="•"/>
+            </a:pPr>
+            <a:r>
+              <a:rPr lang="hu-HU" sz="2000" b="1" dirty="0" err="1"/>
+              <a:t>calculate_total_price_on_insert_buy</a:t>
+            </a:r>
+            <a:endParaRPr lang="hu-HU" sz="2000" dirty="0"/>
+          </a:p>
+          <a:p>
+            <a:pPr marL="342900" indent="-342900">
+              <a:buFont typeface="Arial" panose="020B0604020202020204" pitchFamily="34" charset="0"/>
+              <a:buChar char="•"/>
+            </a:pPr>
+            <a:r>
+              <a:rPr lang="hu-HU" sz="2000" b="1" dirty="0" err="1"/>
+              <a:t>update_balance_on_insert_sale</a:t>
+            </a:r>
+            <a:endParaRPr lang="hu-HU" sz="2000" dirty="0"/>
+          </a:p>
+          <a:p>
+            <a:pPr marL="342900" indent="-342900">
+              <a:buFont typeface="Arial" panose="020B0604020202020204" pitchFamily="34" charset="0"/>
+              <a:buChar char="•"/>
+            </a:pPr>
+            <a:r>
+              <a:rPr lang="hu-HU" sz="2000" b="1" dirty="0" err="1"/>
+              <a:t>update_balance_on_insert_buy</a:t>
+            </a:r>
+            <a:endParaRPr lang="hu-HU" sz="2000" dirty="0"/>
+          </a:p>
+          <a:p>
+            <a:pPr marL="342900" indent="-342900">
+              <a:buFont typeface="Arial" panose="020B0604020202020204" pitchFamily="34" charset="0"/>
+              <a:buChar char="•"/>
+            </a:pPr>
+            <a:r>
+              <a:rPr lang="hu-HU" sz="2000" b="1" dirty="0" err="1"/>
+              <a:t>update_stock_on_insert_buy</a:t>
+            </a:r>
+            <a:endParaRPr lang="hu-HU" sz="2000" dirty="0"/>
+          </a:p>
+          <a:p>
+            <a:pPr marL="342900" indent="-342900">
+              <a:buFont typeface="Arial" panose="020B0604020202020204" pitchFamily="34" charset="0"/>
+              <a:buChar char="•"/>
+            </a:pPr>
+            <a:r>
+              <a:rPr lang="hu-HU" sz="2000" b="1" dirty="0" err="1"/>
+              <a:t>update_stock_on_insert_sale</a:t>
+            </a:r>
+            <a:endParaRPr lang="hu-HU" sz="2000" dirty="0"/>
+          </a:p>
+          <a:p>
+            <a:endParaRPr lang="en-US" sz="2000" dirty="0"/>
+          </a:p>
+        </p:txBody>
+      </p:sp>
+      <p:sp>
+        <p:nvSpPr>
+          <p:cNvPr id="7" name="Szövegdoboz 6">
+            <a:extLst>
+              <a:ext uri="{FF2B5EF4-FFF2-40B4-BE49-F238E27FC236}">
+                <a16:creationId xmlns:a16="http://schemas.microsoft.com/office/drawing/2014/main" id="{85356057-BD76-52F6-1B9A-87AA1006CAEE}"/>
+              </a:ext>
+            </a:extLst>
+          </p:cNvPr>
+          <p:cNvSpPr txBox="1"/>
+          <p:nvPr/>
+        </p:nvSpPr>
+        <p:spPr>
+          <a:xfrm>
+            <a:off x="4107658" y="2459504"/>
+            <a:ext cx="6338886" cy="1938992"/>
+          </a:xfrm>
+          <a:prstGeom prst="rect">
+            <a:avLst/>
+          </a:prstGeom>
+          <a:noFill/>
+        </p:spPr>
+        <p:txBody>
+          <a:bodyPr wrap="square">
+            <a:spAutoFit/>
+          </a:bodyPr>
+          <a:lstStyle/>
+          <a:p>
+            <a:pPr marL="342900" indent="-342900">
+              <a:buFont typeface="Arial" panose="020B0604020202020204" pitchFamily="34" charset="0"/>
+              <a:buChar char="•"/>
+            </a:pPr>
+            <a:r>
+              <a:rPr lang="hu-HU" sz="2000" b="1" dirty="0" err="1"/>
+              <a:t>tbl_brand</a:t>
+            </a:r>
+            <a:endParaRPr lang="hu-HU" sz="2000" b="1" dirty="0"/>
+          </a:p>
+          <a:p>
+            <a:pPr marL="342900" indent="-342900">
+              <a:buFont typeface="Arial" panose="020B0604020202020204" pitchFamily="34" charset="0"/>
+              <a:buChar char="•"/>
+            </a:pPr>
+            <a:r>
+              <a:rPr lang="hu-HU" sz="2000" b="1" dirty="0" err="1"/>
+              <a:t>tbl_category</a:t>
+            </a:r>
+            <a:endParaRPr lang="hu-HU" sz="2000" b="1" dirty="0"/>
+          </a:p>
+          <a:p>
+            <a:pPr marL="342900" indent="-342900">
+              <a:buFont typeface="Arial" panose="020B0604020202020204" pitchFamily="34" charset="0"/>
+              <a:buChar char="•"/>
+            </a:pPr>
+            <a:r>
+              <a:rPr lang="hu-HU" sz="2000" b="1" dirty="0" err="1"/>
+              <a:t>tbl_buy</a:t>
+            </a:r>
+            <a:endParaRPr lang="hu-HU" sz="2000" b="1" dirty="0"/>
+          </a:p>
+          <a:p>
+            <a:pPr marL="342900" indent="-342900">
+              <a:buFont typeface="Arial" panose="020B0604020202020204" pitchFamily="34" charset="0"/>
+              <a:buChar char="•"/>
+            </a:pPr>
+            <a:r>
+              <a:rPr lang="hu-HU" sz="2000" b="1" dirty="0" err="1"/>
+              <a:t>tbl_sale</a:t>
+            </a:r>
+            <a:endParaRPr lang="hu-HU" sz="2000" b="1" dirty="0"/>
+          </a:p>
+          <a:p>
+            <a:pPr marL="342900" indent="-342900">
+              <a:buFont typeface="Arial" panose="020B0604020202020204" pitchFamily="34" charset="0"/>
+              <a:buChar char="•"/>
+            </a:pPr>
+            <a:r>
+              <a:rPr lang="hu-HU" sz="2000" b="1" dirty="0" err="1"/>
+              <a:t>tbl_finance</a:t>
+            </a:r>
+            <a:endParaRPr lang="hu-HU" sz="2000" b="1" dirty="0"/>
+          </a:p>
+          <a:p>
+            <a:pPr marL="342900" indent="-342900">
+              <a:buFont typeface="Arial" panose="020B0604020202020204" pitchFamily="34" charset="0"/>
+              <a:buChar char="•"/>
+            </a:pPr>
+            <a:r>
+              <a:rPr lang="hu-HU" sz="2000" b="1" dirty="0" err="1"/>
+              <a:t>tbl_constant</a:t>
+            </a:r>
+            <a:endParaRPr lang="hu-HU" sz="2000" dirty="0"/>
+          </a:p>
+        </p:txBody>
+      </p:sp>
+      <p:sp>
+        <p:nvSpPr>
+          <p:cNvPr id="11" name="Szövegdoboz 10">
+            <a:extLst>
+              <a:ext uri="{FF2B5EF4-FFF2-40B4-BE49-F238E27FC236}">
+                <a16:creationId xmlns:a16="http://schemas.microsoft.com/office/drawing/2014/main" id="{09F457F1-2474-A4D3-0696-2B038CDC8FC0}"/>
+              </a:ext>
+            </a:extLst>
+          </p:cNvPr>
+          <p:cNvSpPr txBox="1"/>
+          <p:nvPr/>
+        </p:nvSpPr>
+        <p:spPr>
+          <a:xfrm>
+            <a:off x="3349228" y="1782395"/>
+            <a:ext cx="2643187" cy="369332"/>
+          </a:xfrm>
+          <a:prstGeom prst="rect">
+            <a:avLst/>
+          </a:prstGeom>
+          <a:noFill/>
+        </p:spPr>
+        <p:txBody>
+          <a:bodyPr wrap="square">
+            <a:spAutoFit/>
+          </a:bodyPr>
+          <a:lstStyle/>
+          <a:p>
+            <a:pPr marL="342900" indent="-342900">
+              <a:buFont typeface="Arial" panose="020B0604020202020204" pitchFamily="34" charset="0"/>
+              <a:buChar char="•"/>
+            </a:pPr>
+            <a:r>
+              <a:rPr lang="hu-HU" sz="1800" b="1" dirty="0" err="1"/>
+              <a:t>Tables</a:t>
+            </a:r>
+            <a:r>
+              <a:rPr lang="hu-HU" sz="1800" b="1" dirty="0"/>
+              <a:t>:</a:t>
+            </a:r>
+            <a:endParaRPr lang="hu-HU" sz="1800" dirty="0"/>
+          </a:p>
+        </p:txBody>
+      </p:sp>
+      <p:sp>
+        <p:nvSpPr>
+          <p:cNvPr id="12" name="Szövegdoboz 11">
+            <a:extLst>
+              <a:ext uri="{FF2B5EF4-FFF2-40B4-BE49-F238E27FC236}">
+                <a16:creationId xmlns:a16="http://schemas.microsoft.com/office/drawing/2014/main" id="{A5D8C17D-729E-0D4F-8118-BB4338FA501E}"/>
+              </a:ext>
+            </a:extLst>
+          </p:cNvPr>
+          <p:cNvSpPr txBox="1"/>
+          <p:nvPr/>
+        </p:nvSpPr>
+        <p:spPr>
+          <a:xfrm>
+            <a:off x="8902303" y="1843951"/>
+            <a:ext cx="2643187" cy="369332"/>
+          </a:xfrm>
+          <a:prstGeom prst="rect">
+            <a:avLst/>
+          </a:prstGeom>
+          <a:noFill/>
+        </p:spPr>
+        <p:txBody>
+          <a:bodyPr wrap="square">
+            <a:spAutoFit/>
+          </a:bodyPr>
+          <a:lstStyle/>
+          <a:p>
+            <a:pPr marL="342900" indent="-342900">
+              <a:buFont typeface="Arial" panose="020B0604020202020204" pitchFamily="34" charset="0"/>
+              <a:buChar char="•"/>
+            </a:pPr>
+            <a:r>
+              <a:rPr lang="hu-HU" sz="1800" b="1" dirty="0" err="1"/>
+              <a:t>Triggers</a:t>
+            </a:r>
+            <a:r>
+              <a:rPr lang="hu-HU" sz="1800" b="1" dirty="0"/>
+              <a:t>:</a:t>
+            </a:r>
+            <a:endParaRPr lang="hu-HU" sz="1800" dirty="0"/>
           </a:p>
         </p:txBody>
       </p:sp>
     </p:spTree>
     <p:extLst>
       <p:ext uri="{BB962C8B-B14F-4D97-AF65-F5344CB8AC3E}">
-        <p14:creationId xmlns:p14="http://schemas.microsoft.com/office/powerpoint/2010/main" val="1128119507"/>
+        <p14:creationId xmlns:p14="http://schemas.microsoft.com/office/powerpoint/2010/main" val="657064867"/>
       </p:ext>
     </p:extLst>
   </p:cSld>
@@ -4982,7 +5711,10 @@
           <a:lstStyle/>
           <a:p>
             <a:pPr algn="ctr"/>
-            <a:endParaRPr lang="hu-HU"/>
+            <a:r>
+              <a:rPr lang="hu-HU" dirty="0"/>
+              <a:t>t</a:t>
+            </a:r>
           </a:p>
         </p:txBody>
       </p:sp>
@@ -5010,22 +5742,37 @@
           <a:p>
             <a:pPr algn="ctr"/>
             <a:r>
+              <a:rPr lang="hu-HU" sz="4000" b="1" dirty="0" err="1"/>
+              <a:t>Database</a:t>
+            </a:r>
+            <a:r>
               <a:rPr lang="hu-HU" sz="4000" b="1" dirty="0"/>
-              <a:t>Backend</a:t>
-            </a:r>
-          </a:p>
-        </p:txBody>
-      </p:sp>
-      <p:sp>
-        <p:nvSpPr>
-          <p:cNvPr id="2" name="Szövegdoboz 1"/>
+              <a:t> </a:t>
+            </a:r>
+            <a:r>
+              <a:rPr lang="hu-HU" sz="4000" b="1" dirty="0" err="1"/>
+              <a:t>Diagrams</a:t>
+            </a:r>
+            <a:endParaRPr lang="hu-HU" sz="4000" b="1" dirty="0"/>
+          </a:p>
+        </p:txBody>
+      </p:sp>
+      <p:sp>
+        <p:nvSpPr>
+          <p:cNvPr id="11" name="Szövegdoboz 10">
+            <a:extLst>
+              <a:ext uri="{FF2B5EF4-FFF2-40B4-BE49-F238E27FC236}">
+                <a16:creationId xmlns:a16="http://schemas.microsoft.com/office/drawing/2014/main" id="{09F457F1-2474-A4D3-0696-2B038CDC8FC0}"/>
+              </a:ext>
+            </a:extLst>
+          </p:cNvPr>
           <p:cNvSpPr txBox="1"/>
           <p:nvPr/>
         </p:nvSpPr>
         <p:spPr>
           <a:xfrm>
-            <a:off x="3038473" y="1012954"/>
-            <a:ext cx="8534401" cy="4832092"/>
+            <a:off x="3895724" y="1538828"/>
+            <a:ext cx="2643187" cy="461665"/>
           </a:xfrm>
           <a:prstGeom prst="rect">
             <a:avLst/>
@@ -5033,280 +5780,207 @@
           <a:noFill/>
         </p:spPr>
         <p:txBody>
-          <a:bodyPr wrap="square" rtlCol="0">
+          <a:bodyPr wrap="square">
             <a:spAutoFit/>
           </a:bodyPr>
           <a:lstStyle/>
           <a:p>
-            <a:pPr marL="457200" indent="-457200">
+            <a:pPr marL="342900" indent="-342900">
               <a:buFont typeface="Arial" panose="020B0604020202020204" pitchFamily="34" charset="0"/>
               <a:buChar char="•"/>
             </a:pPr>
             <a:r>
-              <a:rPr lang="en-US" sz="2800" dirty="0"/>
-              <a:t>PHP + MVC</a:t>
-            </a:r>
-            <a:r>
-              <a:rPr lang="hu-HU" sz="2800" dirty="0"/>
-              <a:t> + </a:t>
-            </a:r>
-            <a:r>
-              <a:rPr lang="en-US" sz="2800" dirty="0"/>
-              <a:t>Router</a:t>
-            </a:r>
-            <a:endParaRPr lang="hu-HU" sz="2800" dirty="0"/>
-          </a:p>
-          <a:p>
-            <a:pPr marL="457200" indent="-457200">
+              <a:rPr lang="hu-HU" sz="2400" dirty="0"/>
+              <a:t>ER </a:t>
+            </a:r>
+            <a:r>
+              <a:rPr lang="hu-HU" sz="2400" dirty="0" err="1"/>
+              <a:t>Model</a:t>
+            </a:r>
+            <a:endParaRPr lang="hu-HU" sz="2400" dirty="0"/>
+          </a:p>
+        </p:txBody>
+      </p:sp>
+      <p:sp>
+        <p:nvSpPr>
+          <p:cNvPr id="12" name="Szövegdoboz 11">
+            <a:extLst>
+              <a:ext uri="{FF2B5EF4-FFF2-40B4-BE49-F238E27FC236}">
+                <a16:creationId xmlns:a16="http://schemas.microsoft.com/office/drawing/2014/main" id="{A5D8C17D-729E-0D4F-8118-BB4338FA501E}"/>
+              </a:ext>
+            </a:extLst>
+          </p:cNvPr>
+          <p:cNvSpPr txBox="1"/>
+          <p:nvPr/>
+        </p:nvSpPr>
+        <p:spPr>
+          <a:xfrm>
+            <a:off x="3895724" y="2729172"/>
+            <a:ext cx="2643187" cy="461665"/>
+          </a:xfrm>
+          <a:prstGeom prst="rect">
+            <a:avLst/>
+          </a:prstGeom>
+          <a:noFill/>
+        </p:spPr>
+        <p:txBody>
+          <a:bodyPr wrap="square">
+            <a:spAutoFit/>
+          </a:bodyPr>
+          <a:lstStyle/>
+          <a:p>
+            <a:pPr marL="342900" indent="-342900">
               <a:buFont typeface="Arial" panose="020B0604020202020204" pitchFamily="34" charset="0"/>
               <a:buChar char="•"/>
             </a:pPr>
             <a:r>
-              <a:rPr lang="hu-HU" sz="2800" dirty="0" err="1"/>
-              <a:t>Role</a:t>
-            </a:r>
-            <a:r>
-              <a:rPr lang="hu-HU" sz="2800" dirty="0"/>
-              <a:t> </a:t>
-            </a:r>
-            <a:r>
-              <a:rPr lang="hu-HU" sz="2800" dirty="0" err="1"/>
-              <a:t>authentication</a:t>
-            </a:r>
-            <a:endParaRPr lang="hu-HU" sz="2800" dirty="0"/>
-          </a:p>
-          <a:p>
-            <a:pPr marL="457200" indent="-457200">
-              <a:buFont typeface="Arial" panose="020B0604020202020204" pitchFamily="34" charset="0"/>
-              <a:buChar char="•"/>
-            </a:pPr>
-            <a:r>
-              <a:rPr lang="hu-HU" sz="2800" dirty="0"/>
-              <a:t>Session</a:t>
-            </a:r>
-          </a:p>
-          <a:p>
-            <a:pPr marL="457200" indent="-457200">
-              <a:buFont typeface="Arial" panose="020B0604020202020204" pitchFamily="34" charset="0"/>
-              <a:buChar char="•"/>
-            </a:pPr>
-            <a:r>
-              <a:rPr lang="en-US" sz="2800" dirty="0"/>
-              <a:t>Password hashing</a:t>
-            </a:r>
-            <a:endParaRPr lang="hu-HU" sz="2800" dirty="0"/>
-          </a:p>
-          <a:p>
-            <a:pPr marL="457200" indent="-457200">
-              <a:buFont typeface="Arial" panose="020B0604020202020204" pitchFamily="34" charset="0"/>
-              <a:buChar char="•"/>
-            </a:pPr>
-            <a:r>
-              <a:rPr lang="hu-HU" sz="2800" dirty="0" err="1"/>
-              <a:t>Generate</a:t>
-            </a:r>
-            <a:r>
-              <a:rPr lang="hu-HU" sz="2800" dirty="0"/>
-              <a:t> PDF </a:t>
-            </a:r>
-            <a:r>
-              <a:rPr lang="hu-HU" sz="2800" dirty="0" err="1"/>
-              <a:t>bills</a:t>
-            </a:r>
-            <a:endParaRPr lang="hu-HU" sz="2800" dirty="0"/>
-          </a:p>
-          <a:p>
-            <a:pPr marL="457200" indent="-457200">
-              <a:buFont typeface="Arial" panose="020B0604020202020204" pitchFamily="34" charset="0"/>
-              <a:buChar char="•"/>
-            </a:pPr>
-            <a:r>
-              <a:rPr lang="hu-HU" sz="2800" dirty="0"/>
-              <a:t>CRUD </a:t>
-            </a:r>
-            <a:r>
-              <a:rPr lang="hu-HU" sz="2800" dirty="0" err="1"/>
-              <a:t>operations</a:t>
-            </a:r>
-            <a:r>
-              <a:rPr lang="hu-HU" sz="2800" dirty="0"/>
-              <a:t>: </a:t>
-            </a:r>
-            <a:r>
-              <a:rPr lang="hu-HU" sz="2800" dirty="0" err="1"/>
-              <a:t>products</a:t>
-            </a:r>
-            <a:r>
-              <a:rPr lang="hu-HU" sz="2800" dirty="0"/>
-              <a:t>, </a:t>
-            </a:r>
-            <a:r>
-              <a:rPr lang="hu-HU" sz="2800" dirty="0" err="1"/>
-              <a:t>partners</a:t>
-            </a:r>
-            <a:r>
-              <a:rPr lang="hu-HU" sz="2800" dirty="0"/>
-              <a:t>, </a:t>
-            </a:r>
-            <a:r>
-              <a:rPr lang="hu-HU" sz="2800" dirty="0" err="1"/>
-              <a:t>employees</a:t>
-            </a:r>
-            <a:r>
-              <a:rPr lang="hu-HU" sz="2800" dirty="0"/>
-              <a:t>, </a:t>
-            </a:r>
-            <a:r>
-              <a:rPr lang="hu-HU" sz="2800" dirty="0" err="1"/>
-              <a:t>sales</a:t>
-            </a:r>
-            <a:endParaRPr lang="hu-HU" sz="2800" dirty="0"/>
-          </a:p>
-          <a:p>
-            <a:pPr marL="457200" indent="-457200">
-              <a:buFont typeface="Arial" panose="020B0604020202020204" pitchFamily="34" charset="0"/>
-              <a:buChar char="•"/>
-            </a:pPr>
-            <a:r>
-              <a:rPr lang="hu-HU" sz="2800" dirty="0"/>
-              <a:t>PDF </a:t>
-            </a:r>
-            <a:r>
-              <a:rPr lang="hu-HU" sz="2800" dirty="0" err="1"/>
-              <a:t>invoice</a:t>
-            </a:r>
-            <a:r>
-              <a:rPr lang="hu-HU" sz="2800" dirty="0"/>
-              <a:t> </a:t>
-            </a:r>
-            <a:r>
-              <a:rPr lang="hu-HU" sz="2800" dirty="0" err="1"/>
-              <a:t>generation</a:t>
-            </a:r>
-            <a:r>
-              <a:rPr lang="hu-HU" sz="2800" dirty="0"/>
-              <a:t> – TCPDF</a:t>
-            </a:r>
-          </a:p>
-          <a:p>
-            <a:pPr marL="457200" indent="-457200">
-              <a:buFont typeface="Arial" panose="020B0604020202020204" pitchFamily="34" charset="0"/>
-              <a:buChar char="•"/>
-            </a:pPr>
-            <a:r>
-              <a:rPr lang="hu-HU" sz="2800" dirty="0" err="1"/>
-              <a:t>Error</a:t>
-            </a:r>
-            <a:r>
-              <a:rPr lang="hu-HU" sz="2800" dirty="0"/>
-              <a:t> </a:t>
-            </a:r>
-            <a:r>
-              <a:rPr lang="hu-HU" sz="2800" dirty="0" err="1"/>
-              <a:t>handling</a:t>
-            </a:r>
-            <a:r>
-              <a:rPr lang="hu-HU" sz="2800" dirty="0"/>
-              <a:t>, </a:t>
-            </a:r>
-            <a:r>
-              <a:rPr lang="hu-HU" sz="2800" dirty="0" err="1"/>
-              <a:t>validation</a:t>
-            </a:r>
-            <a:r>
-              <a:rPr lang="hu-HU" sz="2800" dirty="0"/>
-              <a:t> (</a:t>
-            </a:r>
-            <a:r>
-              <a:rPr lang="hu-HU" sz="2800" dirty="0" err="1"/>
-              <a:t>e.g</a:t>
-            </a:r>
-            <a:r>
-              <a:rPr lang="hu-HU" sz="2800" dirty="0"/>
-              <a:t>. </a:t>
-            </a:r>
-            <a:r>
-              <a:rPr lang="hu-HU" sz="2800" dirty="0" err="1"/>
-              <a:t>handling</a:t>
-            </a:r>
-            <a:r>
-              <a:rPr lang="hu-HU" sz="2800" dirty="0"/>
-              <a:t> </a:t>
-            </a:r>
-            <a:r>
-              <a:rPr lang="hu-HU" sz="2800" dirty="0" err="1"/>
-              <a:t>empty</a:t>
-            </a:r>
-            <a:r>
-              <a:rPr lang="hu-HU" sz="2800" dirty="0"/>
-              <a:t> </a:t>
-            </a:r>
-            <a:r>
-              <a:rPr lang="hu-HU" sz="2800" dirty="0" err="1"/>
-              <a:t>fields</a:t>
-            </a:r>
-            <a:r>
-              <a:rPr lang="hu-HU" sz="2800" dirty="0"/>
-              <a:t>, non-</a:t>
-            </a:r>
-            <a:r>
-              <a:rPr lang="hu-HU" sz="2800" dirty="0" err="1"/>
-              <a:t>existent</a:t>
-            </a:r>
-            <a:r>
-              <a:rPr lang="hu-HU" sz="2800" dirty="0"/>
-              <a:t> </a:t>
-            </a:r>
-            <a:r>
-              <a:rPr lang="hu-HU" sz="2800" dirty="0" err="1"/>
-              <a:t>data</a:t>
-            </a:r>
-            <a:r>
-              <a:rPr lang="hu-HU" sz="2800" dirty="0"/>
-              <a:t>)</a:t>
-            </a:r>
-          </a:p>
-          <a:p>
-            <a:pPr marL="457200" indent="-457200">
-              <a:buFont typeface="Arial" panose="020B0604020202020204" pitchFamily="34" charset="0"/>
-              <a:buChar char="•"/>
-            </a:pPr>
-            <a:r>
-              <a:rPr lang="hu-HU" sz="2800" dirty="0" err="1"/>
-              <a:t>Prepared</a:t>
-            </a:r>
-            <a:r>
-              <a:rPr lang="hu-HU" sz="2800" dirty="0"/>
-              <a:t> </a:t>
-            </a:r>
-            <a:r>
-              <a:rPr lang="hu-HU" sz="2800" dirty="0" err="1"/>
-              <a:t>statements</a:t>
-            </a:r>
-            <a:r>
-              <a:rPr lang="hu-HU" sz="2800" dirty="0"/>
-              <a:t> </a:t>
-            </a:r>
-            <a:r>
-              <a:rPr lang="hu-HU" sz="2800" dirty="0" err="1"/>
-              <a:t>against</a:t>
-            </a:r>
-            <a:r>
-              <a:rPr lang="hu-HU" sz="2800" dirty="0"/>
-              <a:t> SQL </a:t>
-            </a:r>
-            <a:r>
-              <a:rPr lang="hu-HU" sz="2800" dirty="0" err="1"/>
-              <a:t>injection</a:t>
-            </a:r>
-            <a:endParaRPr lang="hu-HU" sz="2800" dirty="0"/>
+              <a:rPr lang="hu-HU" sz="2400" dirty="0" err="1"/>
+              <a:t>Normalized</a:t>
+            </a:r>
+            <a:r>
+              <a:rPr lang="hu-HU" sz="2400" dirty="0"/>
+              <a:t> ERD</a:t>
+            </a:r>
+          </a:p>
+        </p:txBody>
+      </p:sp>
+      <p:sp>
+        <p:nvSpPr>
+          <p:cNvPr id="3" name="Szövegdoboz 2">
+            <a:extLst>
+              <a:ext uri="{FF2B5EF4-FFF2-40B4-BE49-F238E27FC236}">
+                <a16:creationId xmlns:a16="http://schemas.microsoft.com/office/drawing/2014/main" id="{A1396199-E4E0-3C62-E0F6-58DA60EA7F3A}"/>
+              </a:ext>
+            </a:extLst>
+          </p:cNvPr>
+          <p:cNvSpPr txBox="1"/>
+          <p:nvPr/>
+        </p:nvSpPr>
+        <p:spPr>
+          <a:xfrm>
+            <a:off x="3895724" y="2134797"/>
+            <a:ext cx="6096000" cy="369332"/>
+          </a:xfrm>
+          <a:prstGeom prst="rect">
+            <a:avLst/>
+          </a:prstGeom>
+          <a:noFill/>
+        </p:spPr>
+        <p:txBody>
+          <a:bodyPr wrap="square">
+            <a:spAutoFit/>
+          </a:bodyPr>
+          <a:lstStyle/>
+          <a:p>
+            <a:pPr algn="l"/>
+            <a:r>
+              <a:rPr lang="en-US" sz="1800" dirty="0"/>
+              <a:t>Simple, compound, multivalued, derived attributes.</a:t>
+            </a:r>
+          </a:p>
+        </p:txBody>
+      </p:sp>
+      <p:sp>
+        <p:nvSpPr>
+          <p:cNvPr id="10" name="Szövegdoboz 9">
+            <a:extLst>
+              <a:ext uri="{FF2B5EF4-FFF2-40B4-BE49-F238E27FC236}">
+                <a16:creationId xmlns:a16="http://schemas.microsoft.com/office/drawing/2014/main" id="{822EE2BB-1BFF-9E08-7892-95912EF465E5}"/>
+              </a:ext>
+            </a:extLst>
+          </p:cNvPr>
+          <p:cNvSpPr txBox="1"/>
+          <p:nvPr/>
+        </p:nvSpPr>
+        <p:spPr>
+          <a:xfrm>
+            <a:off x="3895724" y="3428999"/>
+            <a:ext cx="6886576" cy="2862322"/>
+          </a:xfrm>
+          <a:prstGeom prst="rect">
+            <a:avLst/>
+          </a:prstGeom>
+          <a:noFill/>
+        </p:spPr>
+        <p:txBody>
+          <a:bodyPr wrap="square">
+            <a:spAutoFit/>
+          </a:bodyPr>
+          <a:lstStyle/>
+          <a:p>
+            <a:pPr fontAlgn="base"/>
+            <a:r>
+              <a:rPr lang="en-US" i="1" dirty="0"/>
+              <a:t>Depending on the relationships, some attributes or relations became separate tables.</a:t>
+            </a:r>
+          </a:p>
+          <a:p>
+            <a:pPr fontAlgn="base"/>
+            <a:endParaRPr lang="en-US" i="1" dirty="0"/>
+          </a:p>
+          <a:p>
+            <a:pPr fontAlgn="base"/>
+            <a:r>
+              <a:rPr lang="en-US" i="1" dirty="0"/>
+              <a:t>The </a:t>
+            </a:r>
+            <a:r>
+              <a:rPr lang="en-US" b="1" i="1" dirty="0"/>
+              <a:t>normalized</a:t>
+            </a:r>
+            <a:r>
+              <a:rPr lang="en-US" i="1" dirty="0"/>
+              <a:t> model is:</a:t>
+            </a:r>
+          </a:p>
+          <a:p>
+            <a:pPr fontAlgn="base"/>
+            <a:endParaRPr lang="en-US" i="1" dirty="0"/>
+          </a:p>
+          <a:p>
+            <a:pPr fontAlgn="base"/>
+            <a:r>
+              <a:rPr lang="en-US" b="1" i="1" dirty="0"/>
+              <a:t>redundancy-free</a:t>
+            </a:r>
+            <a:r>
+              <a:rPr lang="en-US" i="1" dirty="0"/>
+              <a:t> or low redundancy</a:t>
+            </a:r>
+          </a:p>
+          <a:p>
+            <a:pPr fontAlgn="base"/>
+            <a:endParaRPr lang="en-US" i="1" dirty="0"/>
+          </a:p>
+          <a:p>
+            <a:pPr fontAlgn="base"/>
+            <a:r>
+              <a:rPr lang="en-US" b="1" i="1" dirty="0"/>
+              <a:t>consistent</a:t>
+            </a:r>
+            <a:r>
+              <a:rPr lang="en-US" i="1" dirty="0"/>
+              <a:t> (no contradictions)</a:t>
+            </a:r>
+          </a:p>
+          <a:p>
+            <a:pPr fontAlgn="base"/>
+            <a:endParaRPr lang="en-US" i="1" dirty="0"/>
+          </a:p>
+          <a:p>
+            <a:pPr fontAlgn="base"/>
+            <a:r>
+              <a:rPr lang="en-US" b="1" i="1" dirty="0"/>
+              <a:t>good data integrity</a:t>
+            </a:r>
+            <a:endParaRPr lang="hu-HU" b="1" dirty="0"/>
           </a:p>
         </p:txBody>
       </p:sp>
     </p:spTree>
     <p:extLst>
       <p:ext uri="{BB962C8B-B14F-4D97-AF65-F5344CB8AC3E}">
-        <p14:creationId xmlns:p14="http://schemas.microsoft.com/office/powerpoint/2010/main" val="2174916144"/>
+        <p14:creationId xmlns:p14="http://schemas.microsoft.com/office/powerpoint/2010/main" val="2027876046"/>
       </p:ext>
     </p:extLst>
   </p:cSld>
@@ -5389,7 +6063,10 @@
           <a:lstStyle/>
           <a:p>
             <a:pPr algn="ctr"/>
-            <a:endParaRPr lang="hu-HU"/>
+            <a:r>
+              <a:rPr lang="hu-HU" dirty="0"/>
+              <a:t>t</a:t>
+            </a:r>
           </a:p>
         </p:txBody>
       </p:sp>
@@ -5402,7 +6079,7 @@
         <p:spPr>
           <a:xfrm>
             <a:off x="-1" y="0"/>
-            <a:ext cx="12192000" cy="707886"/>
+            <a:ext cx="12192000" cy="523220"/>
           </a:xfrm>
           <a:prstGeom prst="rect">
             <a:avLst/>
@@ -5417,27 +6094,40 @@
           <a:p>
             <a:pPr algn="ctr"/>
             <a:r>
-              <a:rPr lang="hu-HU" sz="4000" b="1" dirty="0"/>
-              <a:t>Frontend </a:t>
-            </a:r>
-            <a:r>
-              <a:rPr lang="hu-HU" sz="4000" b="1" dirty="0" err="1"/>
-              <a:t>languages</a:t>
-            </a:r>
-            <a:endParaRPr lang="hu-HU" sz="4000" b="1" dirty="0"/>
-          </a:p>
-        </p:txBody>
-      </p:sp>
-      <p:sp>
-        <p:nvSpPr>
-          <p:cNvPr id="2" name="Szövegdoboz 1"/>
+              <a:rPr lang="hu-HU" sz="2800" dirty="0" err="1"/>
+              <a:t>Speed</a:t>
+            </a:r>
+            <a:r>
+              <a:rPr lang="hu-HU" sz="2800" dirty="0"/>
+              <a:t> and SQL </a:t>
+            </a:r>
+            <a:r>
+              <a:rPr lang="hu-HU" sz="2800" dirty="0" err="1"/>
+              <a:t>Implementation</a:t>
+            </a:r>
+            <a:r>
+              <a:rPr lang="hu-HU" sz="2800" dirty="0"/>
+              <a:t> </a:t>
+            </a:r>
+          </a:p>
+        </p:txBody>
+      </p:sp>
+      <p:sp>
+        <p:nvSpPr>
+          <p:cNvPr id="11" name="Szövegdoboz 10">
+            <a:extLst>
+              <a:ext uri="{FF2B5EF4-FFF2-40B4-BE49-F238E27FC236}">
+                <a16:creationId xmlns:a16="http://schemas.microsoft.com/office/drawing/2014/main" id="{09F457F1-2474-A4D3-0696-2B038CDC8FC0}"/>
+              </a:ext>
+            </a:extLst>
+          </p:cNvPr>
           <p:cNvSpPr txBox="1"/>
           <p:nvPr/>
         </p:nvSpPr>
         <p:spPr>
           <a:xfrm>
-            <a:off x="3405186" y="2305615"/>
-            <a:ext cx="6029325" cy="2246769"/>
+            <a:off x="3895724" y="1538828"/>
+            <a:ext cx="3752851" cy="523220"/>
           </a:xfrm>
           <a:prstGeom prst="rect">
             <a:avLst/>
@@ -5445,71 +6135,39 @@
           <a:noFill/>
         </p:spPr>
         <p:txBody>
-          <a:bodyPr wrap="square" rtlCol="0">
+          <a:bodyPr wrap="square">
             <a:spAutoFit/>
           </a:bodyPr>
           <a:lstStyle/>
           <a:p>
-            <a:pPr marL="285750" indent="-285750">
+            <a:pPr marL="342900" indent="-342900">
               <a:buFont typeface="Arial" panose="020B0604020202020204" pitchFamily="34" charset="0"/>
               <a:buChar char="•"/>
             </a:pPr>
             <a:r>
-              <a:rPr lang="hu-HU" sz="2800" dirty="0" err="1"/>
-              <a:t>Html</a:t>
+              <a:rPr lang="hu-HU" sz="2800" dirty="0"/>
+              <a:t>D</a:t>
+            </a:r>
+            <a:r>
+              <a:rPr lang="en-US" sz="2800" dirty="0" err="1"/>
+              <a:t>enormalizat</a:t>
+            </a:r>
+            <a:r>
+              <a:rPr lang="hu-HU" sz="2800" dirty="0"/>
+              <a:t>i</a:t>
+            </a:r>
+            <a:r>
+              <a:rPr lang="en-US" sz="2800" dirty="0"/>
+              <a:t>on</a:t>
             </a:r>
             <a:endParaRPr lang="hu-HU" sz="2800" dirty="0"/>
-          </a:p>
-          <a:p>
-            <a:pPr marL="285750" indent="-285750">
-              <a:buFont typeface="Arial" panose="020B0604020202020204" pitchFamily="34" charset="0"/>
-              <a:buChar char="•"/>
-            </a:pPr>
-            <a:r>
-              <a:rPr lang="hu-HU" sz="2800" dirty="0" err="1"/>
-              <a:t>TailwindCSS</a:t>
-            </a:r>
-            <a:r>
-              <a:rPr lang="hu-HU" sz="2800" dirty="0"/>
-              <a:t> </a:t>
-            </a:r>
-          </a:p>
-          <a:p>
-            <a:pPr marL="285750" indent="-285750">
-              <a:buFont typeface="Arial" panose="020B0604020202020204" pitchFamily="34" charset="0"/>
-              <a:buChar char="•"/>
-            </a:pPr>
-            <a:r>
-              <a:rPr lang="hu-HU" sz="2800" dirty="0"/>
-              <a:t>JavaScript</a:t>
-            </a:r>
-          </a:p>
-          <a:p>
-            <a:pPr marL="285750" indent="-285750">
-              <a:buFont typeface="Arial" panose="020B0604020202020204" pitchFamily="34" charset="0"/>
-              <a:buChar char="•"/>
-            </a:pPr>
-            <a:r>
-              <a:rPr lang="hu-HU" sz="2800" dirty="0"/>
-              <a:t>Node.js</a:t>
-            </a:r>
-          </a:p>
-          <a:p>
-            <a:pPr marL="285750" indent="-285750">
-              <a:buFont typeface="Arial" panose="020B0604020202020204" pitchFamily="34" charset="0"/>
-              <a:buChar char="•"/>
-            </a:pPr>
-            <a:r>
-              <a:rPr lang="hu-HU" sz="2800" dirty="0"/>
-              <a:t>Chart.js</a:t>
-            </a:r>
           </a:p>
         </p:txBody>
       </p:sp>
     </p:spTree>
     <p:extLst>
       <p:ext uri="{BB962C8B-B14F-4D97-AF65-F5344CB8AC3E}">
-        <p14:creationId xmlns:p14="http://schemas.microsoft.com/office/powerpoint/2010/main" val="2874723007"/>
+        <p14:creationId xmlns:p14="http://schemas.microsoft.com/office/powerpoint/2010/main" val="1568660202"/>
       </p:ext>
     </p:extLst>
   </p:cSld>
@@ -5620,10 +6278,9 @@
           <a:p>
             <a:pPr algn="ctr"/>
             <a:r>
-              <a:rPr lang="en-US" sz="4000" dirty="0"/>
-              <a:t>Forms and interactions</a:t>
-            </a:r>
-            <a:endParaRPr lang="hu-HU" sz="4000" b="1" dirty="0"/>
+              <a:rPr lang="hu-HU" sz="4000" b="1" dirty="0"/>
+              <a:t>Backend</a:t>
+            </a:r>
           </a:p>
         </p:txBody>
       </p:sp>
@@ -5635,8 +6292,8 @@
         </p:nvSpPr>
         <p:spPr>
           <a:xfrm>
-            <a:off x="2097879" y="2521059"/>
-            <a:ext cx="7996239" cy="1384995"/>
+            <a:off x="3657598" y="1108204"/>
+            <a:ext cx="8534401" cy="4832092"/>
           </a:xfrm>
           <a:prstGeom prst="rect">
             <a:avLst/>
@@ -5649,43 +6306,266 @@
           </a:bodyPr>
           <a:lstStyle/>
           <a:p>
-            <a:pPr marL="285750" indent="-285750">
+            <a:pPr marL="457200" indent="-457200">
               <a:buFont typeface="Arial" panose="020B0604020202020204" pitchFamily="34" charset="0"/>
               <a:buChar char="•"/>
             </a:pPr>
             <a:r>
               <a:rPr lang="en-US" sz="2800" dirty="0"/>
-              <a:t>Validation at login and data entry</a:t>
+              <a:t>PHP + MVC</a:t>
+            </a:r>
+            <a:r>
+              <a:rPr lang="hu-HU" sz="2800" dirty="0"/>
+              <a:t> + </a:t>
+            </a:r>
+            <a:r>
+              <a:rPr lang="en-US" sz="2800" dirty="0"/>
+              <a:t>Router</a:t>
             </a:r>
             <a:endParaRPr lang="hu-HU" sz="2800" dirty="0"/>
           </a:p>
           <a:p>
-            <a:pPr marL="285750" indent="-285750">
+            <a:pPr marL="457200" indent="-457200">
               <a:buFont typeface="Arial" panose="020B0604020202020204" pitchFamily="34" charset="0"/>
               <a:buChar char="•"/>
             </a:pPr>
             <a:r>
-              <a:rPr lang="en-US" sz="2800" dirty="0"/>
-              <a:t>Display error messages (</a:t>
-            </a:r>
-            <a:r>
               <a:rPr lang="hu-HU" sz="2800" dirty="0" err="1"/>
-              <a:t>red</a:t>
-            </a:r>
-            <a:r>
-              <a:rPr lang="en-US" sz="2800" dirty="0"/>
-              <a:t> error message)</a:t>
+              <a:t>Role</a:t>
+            </a:r>
+            <a:r>
+              <a:rPr lang="hu-HU" sz="2800" dirty="0"/>
+              <a:t> </a:t>
+            </a:r>
+            <a:r>
+              <a:rPr lang="hu-HU" sz="2800" dirty="0" err="1"/>
+              <a:t>authentication</a:t>
             </a:r>
             <a:endParaRPr lang="hu-HU" sz="2800" dirty="0"/>
           </a:p>
           <a:p>
-            <a:pPr marL="285750" indent="-285750">
+            <a:pPr marL="457200" indent="-457200">
               <a:buFont typeface="Arial" panose="020B0604020202020204" pitchFamily="34" charset="0"/>
               <a:buChar char="•"/>
             </a:pPr>
             <a:r>
+              <a:rPr lang="hu-HU" sz="2800" dirty="0"/>
+              <a:t>Session</a:t>
+            </a:r>
+          </a:p>
+          <a:p>
+            <a:pPr marL="457200" indent="-457200">
+              <a:buFont typeface="Arial" panose="020B0604020202020204" pitchFamily="34" charset="0"/>
+              <a:buChar char="•"/>
+            </a:pPr>
+            <a:r>
               <a:rPr lang="en-US" sz="2800" dirty="0"/>
-              <a:t>Dynamic fields (e.g. when adding a new product)</a:t>
+              <a:t>Password hashing</a:t>
+            </a:r>
+            <a:endParaRPr lang="hu-HU" sz="2800" dirty="0"/>
+          </a:p>
+          <a:p>
+            <a:pPr marL="457200" indent="-457200">
+              <a:buFont typeface="Arial" panose="020B0604020202020204" pitchFamily="34" charset="0"/>
+              <a:buChar char="•"/>
+            </a:pPr>
+            <a:r>
+              <a:rPr lang="hu-HU" sz="2800" dirty="0" err="1"/>
+              <a:t>Generate</a:t>
+            </a:r>
+            <a:r>
+              <a:rPr lang="hu-HU" sz="2800" dirty="0"/>
+              <a:t> PDF </a:t>
+            </a:r>
+            <a:r>
+              <a:rPr lang="hu-HU" sz="2800" dirty="0" err="1"/>
+              <a:t>bills</a:t>
+            </a:r>
+            <a:endParaRPr lang="hu-HU" sz="2800" dirty="0"/>
+          </a:p>
+          <a:p>
+            <a:pPr marL="457200" indent="-457200">
+              <a:buFont typeface="Arial" panose="020B0604020202020204" pitchFamily="34" charset="0"/>
+              <a:buChar char="•"/>
+            </a:pPr>
+            <a:r>
+              <a:rPr lang="hu-HU" sz="2800" dirty="0"/>
+              <a:t>CRUD </a:t>
+            </a:r>
+            <a:r>
+              <a:rPr lang="hu-HU" sz="2800" dirty="0" err="1"/>
+              <a:t>operations</a:t>
+            </a:r>
+            <a:r>
+              <a:rPr lang="hu-HU" sz="2800" dirty="0"/>
+              <a:t>: </a:t>
+            </a:r>
+            <a:r>
+              <a:rPr lang="hu-HU" sz="2800" dirty="0" err="1"/>
+              <a:t>products</a:t>
+            </a:r>
+            <a:r>
+              <a:rPr lang="hu-HU" sz="2800" dirty="0"/>
+              <a:t>, </a:t>
+            </a:r>
+            <a:r>
+              <a:rPr lang="hu-HU" sz="2800" dirty="0" err="1"/>
+              <a:t>partners</a:t>
+            </a:r>
+            <a:r>
+              <a:rPr lang="hu-HU" sz="2800" dirty="0"/>
+              <a:t>, </a:t>
+            </a:r>
+            <a:r>
+              <a:rPr lang="hu-HU" sz="2800" dirty="0" err="1"/>
+              <a:t>employees</a:t>
+            </a:r>
+            <a:r>
+              <a:rPr lang="hu-HU" sz="2800" dirty="0"/>
+              <a:t>, </a:t>
+            </a:r>
+            <a:r>
+              <a:rPr lang="hu-HU" sz="2800" dirty="0" err="1"/>
+              <a:t>sales</a:t>
+            </a:r>
+            <a:endParaRPr lang="hu-HU" sz="2800" dirty="0"/>
+          </a:p>
+          <a:p>
+            <a:pPr marL="457200" indent="-457200">
+              <a:buFont typeface="Arial" panose="020B0604020202020204" pitchFamily="34" charset="0"/>
+              <a:buChar char="•"/>
+            </a:pPr>
+            <a:r>
+              <a:rPr lang="hu-HU" sz="2800" dirty="0"/>
+              <a:t>PDF </a:t>
+            </a:r>
+            <a:r>
+              <a:rPr lang="hu-HU" sz="2800" dirty="0" err="1"/>
+              <a:t>invoice</a:t>
+            </a:r>
+            <a:r>
+              <a:rPr lang="hu-HU" sz="2800" dirty="0"/>
+              <a:t> </a:t>
+            </a:r>
+            <a:r>
+              <a:rPr lang="hu-HU" sz="2800" dirty="0" err="1"/>
+              <a:t>generation</a:t>
+            </a:r>
+            <a:r>
+              <a:rPr lang="hu-HU" sz="2800" dirty="0"/>
+              <a:t> – TCPDF</a:t>
+            </a:r>
+          </a:p>
+          <a:p>
+            <a:pPr marL="457200" indent="-457200">
+              <a:buFont typeface="Arial" panose="020B0604020202020204" pitchFamily="34" charset="0"/>
+              <a:buChar char="•"/>
+            </a:pPr>
+            <a:r>
+              <a:rPr lang="hu-HU" sz="2800" dirty="0" err="1"/>
+              <a:t>Error</a:t>
+            </a:r>
+            <a:r>
+              <a:rPr lang="hu-HU" sz="2800" dirty="0"/>
+              <a:t> </a:t>
+            </a:r>
+            <a:r>
+              <a:rPr lang="hu-HU" sz="2800" dirty="0" err="1"/>
+              <a:t>handling</a:t>
+            </a:r>
+            <a:r>
+              <a:rPr lang="hu-HU" sz="2800" dirty="0"/>
+              <a:t>, </a:t>
+            </a:r>
+            <a:r>
+              <a:rPr lang="hu-HU" sz="2800" dirty="0" err="1"/>
+              <a:t>validation</a:t>
+            </a:r>
+            <a:r>
+              <a:rPr lang="hu-HU" sz="2800" dirty="0"/>
+              <a:t> (</a:t>
+            </a:r>
+            <a:r>
+              <a:rPr lang="hu-HU" sz="2800" dirty="0" err="1"/>
+              <a:t>e.g</a:t>
+            </a:r>
+            <a:r>
+              <a:rPr lang="hu-HU" sz="2800" dirty="0"/>
+              <a:t>. </a:t>
+            </a:r>
+            <a:r>
+              <a:rPr lang="hu-HU" sz="2800" dirty="0" err="1"/>
+              <a:t>handling</a:t>
+            </a:r>
+            <a:r>
+              <a:rPr lang="hu-HU" sz="2800" dirty="0"/>
+              <a:t> </a:t>
+            </a:r>
+            <a:r>
+              <a:rPr lang="hu-HU" sz="2800" dirty="0" err="1"/>
+              <a:t>empty</a:t>
+            </a:r>
+            <a:r>
+              <a:rPr lang="hu-HU" sz="2800" dirty="0"/>
+              <a:t> </a:t>
+            </a:r>
+            <a:r>
+              <a:rPr lang="hu-HU" sz="2800" dirty="0" err="1"/>
+              <a:t>fields</a:t>
+            </a:r>
+            <a:r>
+              <a:rPr lang="hu-HU" sz="2800" dirty="0"/>
+              <a:t>, non-</a:t>
+            </a:r>
+            <a:r>
+              <a:rPr lang="hu-HU" sz="2800" dirty="0" err="1"/>
+              <a:t>existent</a:t>
+            </a:r>
+            <a:r>
+              <a:rPr lang="hu-HU" sz="2800" dirty="0"/>
+              <a:t> </a:t>
+            </a:r>
+            <a:r>
+              <a:rPr lang="hu-HU" sz="2800" dirty="0" err="1"/>
+              <a:t>data</a:t>
+            </a:r>
+            <a:r>
+              <a:rPr lang="hu-HU" sz="2800" dirty="0"/>
+              <a:t>)</a:t>
+            </a:r>
+          </a:p>
+          <a:p>
+            <a:pPr marL="457200" indent="-457200">
+              <a:buFont typeface="Arial" panose="020B0604020202020204" pitchFamily="34" charset="0"/>
+              <a:buChar char="•"/>
+            </a:pPr>
+            <a:r>
+              <a:rPr lang="hu-HU" sz="2800" dirty="0" err="1"/>
+              <a:t>Prepared</a:t>
+            </a:r>
+            <a:r>
+              <a:rPr lang="hu-HU" sz="2800" dirty="0"/>
+              <a:t> </a:t>
+            </a:r>
+            <a:r>
+              <a:rPr lang="hu-HU" sz="2800" dirty="0" err="1"/>
+              <a:t>statements</a:t>
+            </a:r>
+            <a:r>
+              <a:rPr lang="hu-HU" sz="2800" dirty="0"/>
+              <a:t> </a:t>
+            </a:r>
+            <a:r>
+              <a:rPr lang="hu-HU" sz="2800" dirty="0" err="1"/>
+              <a:t>against</a:t>
+            </a:r>
+            <a:r>
+              <a:rPr lang="hu-HU" sz="2800" dirty="0"/>
+              <a:t> SQL </a:t>
+            </a:r>
+            <a:r>
+              <a:rPr lang="hu-HU" sz="2800" dirty="0" err="1"/>
+              <a:t>injection</a:t>
             </a:r>
             <a:endParaRPr lang="hu-HU" sz="2800" dirty="0"/>
           </a:p>
@@ -5694,7 +6574,7 @@
     </p:spTree>
     <p:extLst>
       <p:ext uri="{BB962C8B-B14F-4D97-AF65-F5344CB8AC3E}">
-        <p14:creationId xmlns:p14="http://schemas.microsoft.com/office/powerpoint/2010/main" val="1146534118"/>
+        <p14:creationId xmlns:p14="http://schemas.microsoft.com/office/powerpoint/2010/main" val="2174916144"/>
       </p:ext>
     </p:extLst>
   </p:cSld>
@@ -5805,8 +6685,12 @@
           <a:p>
             <a:pPr algn="ctr"/>
             <a:r>
-              <a:rPr lang="hu-HU" sz="4000" dirty="0"/>
-              <a:t>UI and UX</a:t>
+              <a:rPr lang="hu-HU" sz="4000" b="1" dirty="0"/>
+              <a:t>Frontend </a:t>
+            </a:r>
+            <a:r>
+              <a:rPr lang="hu-HU" sz="4000" b="1" dirty="0" err="1"/>
+              <a:t>languages</a:t>
             </a:r>
             <a:endParaRPr lang="hu-HU" sz="4000" b="1" dirty="0"/>
           </a:p>
@@ -5820,8 +6704,8 @@
         </p:nvSpPr>
         <p:spPr>
           <a:xfrm>
-            <a:off x="2097879" y="2521059"/>
-            <a:ext cx="9427371" cy="2677656"/>
+            <a:off x="3676650" y="2305615"/>
+            <a:ext cx="5757861" cy="2246769"/>
           </a:xfrm>
           <a:prstGeom prst="rect">
             <a:avLst/>
@@ -5839,24 +6723,8 @@
               <a:buChar char="•"/>
             </a:pPr>
             <a:r>
-              <a:rPr lang="en-US" sz="2800" dirty="0"/>
-              <a:t>Recyclable </a:t>
-            </a:r>
-            <a:r>
-              <a:rPr lang="en-US" sz="2800" dirty="0" err="1"/>
-              <a:t>componentsE.g</a:t>
-            </a:r>
-            <a:r>
-              <a:rPr lang="en-US" sz="2800" dirty="0"/>
-              <a:t>. Button, Card, </a:t>
-            </a:r>
-            <a:r>
-              <a:rPr lang="en-US" sz="2800" dirty="0" err="1"/>
-              <a:t>FormInput</a:t>
-            </a:r>
-            <a:r>
-              <a:rPr lang="en-US" sz="2800" dirty="0"/>
-              <a:t> type UI elements reused</a:t>
+              <a:rPr lang="hu-HU" sz="2800" dirty="0" err="1"/>
+              <a:t>Html</a:t>
             </a:r>
             <a:endParaRPr lang="hu-HU" sz="2800" dirty="0"/>
           </a:p>
@@ -5866,10 +6734,13 @@
               <a:buChar char="•"/>
             </a:pPr>
             <a:r>
-              <a:rPr lang="en-US" sz="2800" dirty="0"/>
-              <a:t>Consistent design and logic – maintainability</a:t>
-            </a:r>
-            <a:endParaRPr lang="hu-HU" sz="2800" dirty="0"/>
+              <a:rPr lang="hu-HU" sz="2800" dirty="0" err="1"/>
+              <a:t>TailwindCSS</a:t>
+            </a:r>
+            <a:r>
+              <a:rPr lang="hu-HU" sz="2800" dirty="0"/>
+              <a:t> </a:t>
+            </a:r>
           </a:p>
           <a:p>
             <a:pPr marL="285750" indent="-285750">
@@ -5877,25 +6748,36 @@
               <a:buChar char="•"/>
             </a:pPr>
             <a:r>
-              <a:rPr lang="en-US" sz="2800" dirty="0"/>
-              <a:t> Troubleshooting and feedback</a:t>
-            </a:r>
-            <a:r>
               <a:rPr lang="hu-HU" sz="2800" dirty="0"/>
-              <a:t> -</a:t>
-            </a:r>
-            <a:r>
-              <a:rPr lang="en-US" sz="2800" dirty="0"/>
-              <a:t>Display of successful or unsuccessful message after actions (e.g. "Product added", "Error occurred")</a:t>
-            </a:r>
-            <a:endParaRPr lang="hu-HU" sz="2800" dirty="0"/>
+              <a:t>JavaScript</a:t>
+            </a:r>
+          </a:p>
+          <a:p>
+            <a:pPr marL="285750" indent="-285750">
+              <a:buFont typeface="Arial" panose="020B0604020202020204" pitchFamily="34" charset="0"/>
+              <a:buChar char="•"/>
+            </a:pPr>
+            <a:r>
+              <a:rPr lang="hu-HU" sz="2800" dirty="0"/>
+              <a:t>Node.js</a:t>
+            </a:r>
+          </a:p>
+          <a:p>
+            <a:pPr marL="285750" indent="-285750">
+              <a:buFont typeface="Arial" panose="020B0604020202020204" pitchFamily="34" charset="0"/>
+              <a:buChar char="•"/>
+            </a:pPr>
+            <a:r>
+              <a:rPr lang="hu-HU" sz="2800" dirty="0"/>
+              <a:t>Chart.js</a:t>
+            </a:r>
           </a:p>
         </p:txBody>
       </p:sp>
     </p:spTree>
     <p:extLst>
       <p:ext uri="{BB962C8B-B14F-4D97-AF65-F5344CB8AC3E}">
-        <p14:creationId xmlns:p14="http://schemas.microsoft.com/office/powerpoint/2010/main" val="3197951341"/>
+        <p14:creationId xmlns:p14="http://schemas.microsoft.com/office/powerpoint/2010/main" val="2874723007"/>
       </p:ext>
     </p:extLst>
   </p:cSld>

--- a/Vizsgaremek.pptx
+++ b/Vizsgaremek.pptx
@@ -5895,7 +5895,7 @@
         <p:spPr>
           <a:xfrm>
             <a:off x="3895724" y="3428999"/>
-            <a:ext cx="6886576" cy="2862322"/>
+            <a:ext cx="6886576" cy="2308324"/>
           </a:xfrm>
           <a:prstGeom prst="rect">
             <a:avLst/>
@@ -5938,7 +5938,10 @@
             <a:endParaRPr lang="en-US" i="1" dirty="0"/>
           </a:p>
           <a:p>
-            <a:pPr fontAlgn="base"/>
+            <a:pPr marL="285750" indent="-285750" fontAlgn="base">
+              <a:buFont typeface="Arial" panose="020B0604020202020204" pitchFamily="34" charset="0"/>
+              <a:buChar char="•"/>
+            </a:pPr>
             <a:r>
               <a:rPr lang="en-US" b="1" i="1" dirty="0"/>
               <a:t>redundancy-free</a:t>
@@ -5949,11 +5952,10 @@
             </a:r>
           </a:p>
           <a:p>
-            <a:pPr fontAlgn="base"/>
-            <a:endParaRPr lang="en-US" i="1" dirty="0"/>
-          </a:p>
-          <a:p>
-            <a:pPr fontAlgn="base"/>
+            <a:pPr marL="285750" indent="-285750" fontAlgn="base">
+              <a:buFont typeface="Arial" panose="020B0604020202020204" pitchFamily="34" charset="0"/>
+              <a:buChar char="•"/>
+            </a:pPr>
             <a:r>
               <a:rPr lang="en-US" b="1" i="1" dirty="0"/>
               <a:t>consistent</a:t>
@@ -5964,11 +5966,10 @@
             </a:r>
           </a:p>
           <a:p>
-            <a:pPr fontAlgn="base"/>
-            <a:endParaRPr lang="en-US" i="1" dirty="0"/>
-          </a:p>
-          <a:p>
-            <a:pPr fontAlgn="base"/>
+            <a:pPr marL="285750" indent="-285750" fontAlgn="base">
+              <a:buFont typeface="Arial" panose="020B0604020202020204" pitchFamily="34" charset="0"/>
+              <a:buChar char="•"/>
+            </a:pPr>
             <a:r>
               <a:rPr lang="en-US" b="1" i="1" dirty="0"/>
               <a:t>good data integrity</a:t>
@@ -6126,8 +6127,8 @@
         </p:nvSpPr>
         <p:spPr>
           <a:xfrm>
-            <a:off x="3895724" y="1538828"/>
-            <a:ext cx="3752851" cy="523220"/>
+            <a:off x="3047998" y="2459504"/>
+            <a:ext cx="7886701" cy="1938992"/>
           </a:xfrm>
           <a:prstGeom prst="rect">
             <a:avLst/>
@@ -6145,22 +6146,80 @@
               <a:buChar char="•"/>
             </a:pPr>
             <a:r>
-              <a:rPr lang="hu-HU" sz="2800" dirty="0"/>
+              <a:rPr lang="hu-HU" sz="2400" dirty="0"/>
               <a:t>D</a:t>
             </a:r>
             <a:r>
-              <a:rPr lang="en-US" sz="2800" dirty="0" err="1"/>
+              <a:rPr lang="en-US" sz="2400" dirty="0" err="1"/>
               <a:t>enormalizat</a:t>
             </a:r>
             <a:r>
-              <a:rPr lang="hu-HU" sz="2800" dirty="0"/>
+              <a:rPr lang="hu-HU" sz="2400" dirty="0"/>
               <a:t>i</a:t>
             </a:r>
             <a:r>
-              <a:rPr lang="en-US" sz="2800" dirty="0"/>
+              <a:rPr lang="en-US" sz="2400" dirty="0"/>
               <a:t>on</a:t>
             </a:r>
-            <a:endParaRPr lang="hu-HU" sz="2800" dirty="0"/>
+            <a:endParaRPr lang="hu-HU" sz="2400" dirty="0"/>
+          </a:p>
+          <a:p>
+            <a:pPr marL="342900" indent="-342900">
+              <a:buFont typeface="Arial" panose="020B0604020202020204" pitchFamily="34" charset="0"/>
+              <a:buChar char="•"/>
+            </a:pPr>
+            <a:r>
+              <a:rPr lang="hu-HU" sz="2400" dirty="0"/>
+              <a:t>W</a:t>
+            </a:r>
+            <a:r>
+              <a:rPr lang="en-US" sz="2400" dirty="0"/>
+              <a:t>rote the SQL code and ran it using the XAMPP console.</a:t>
+            </a:r>
+            <a:endParaRPr lang="hu-HU" sz="2400" dirty="0"/>
+          </a:p>
+          <a:p>
+            <a:pPr marL="342900" indent="-342900">
+              <a:buFont typeface="Arial" panose="020B0604020202020204" pitchFamily="34" charset="0"/>
+              <a:buChar char="•"/>
+            </a:pPr>
+            <a:r>
+              <a:rPr lang="hu-HU" sz="2400" dirty="0"/>
+              <a:t>F</a:t>
+            </a:r>
+            <a:r>
+              <a:rPr lang="en-US" sz="2400" dirty="0" err="1"/>
+              <a:t>illed</a:t>
+            </a:r>
+            <a:r>
+              <a:rPr lang="en-US" sz="2400" dirty="0"/>
+              <a:t> tables with example data to test their working.</a:t>
+            </a:r>
+          </a:p>
+          <a:p>
+            <a:pPr marL="342900" indent="-342900">
+              <a:buFont typeface="Arial" panose="020B0604020202020204" pitchFamily="34" charset="0"/>
+              <a:buChar char="•"/>
+            </a:pPr>
+            <a:r>
+              <a:rPr lang="hu-HU" sz="2400" dirty="0"/>
+              <a:t>C</a:t>
+            </a:r>
+            <a:r>
+              <a:rPr lang="en-US" sz="2400" dirty="0" err="1"/>
+              <a:t>reated</a:t>
+            </a:r>
+            <a:r>
+              <a:rPr lang="en-US" sz="2400" dirty="0"/>
+              <a:t> a database dump file.</a:t>
+            </a:r>
+          </a:p>
+          <a:p>
+            <a:pPr marL="342900" indent="-342900">
+              <a:buFont typeface="Arial" panose="020B0604020202020204" pitchFamily="34" charset="0"/>
+              <a:buChar char="•"/>
+            </a:pPr>
+            <a:endParaRPr lang="hu-HU" sz="2400" dirty="0"/>
           </a:p>
         </p:txBody>
       </p:sp>

--- a/Vizsgaremek.pptx
+++ b/Vizsgaremek.pptx
@@ -254,7 +254,7 @@
           <a:p>
             <a:fld id="{7A2F24EF-E3CF-4685-BFAA-62EDF539F86C}" type="datetimeFigureOut">
               <a:rPr lang="hu-HU" smtClean="0"/>
-              <a:t>2025. 05. 09.</a:t>
+              <a:t>2025. 05. 13.</a:t>
             </a:fld>
             <a:endParaRPr lang="hu-HU"/>
           </a:p>
@@ -422,7 +422,7 @@
           <a:p>
             <a:fld id="{7A2F24EF-E3CF-4685-BFAA-62EDF539F86C}" type="datetimeFigureOut">
               <a:rPr lang="hu-HU" smtClean="0"/>
-              <a:t>2025. 05. 09.</a:t>
+              <a:t>2025. 05. 13.</a:t>
             </a:fld>
             <a:endParaRPr lang="hu-HU"/>
           </a:p>
@@ -600,7 +600,7 @@
           <a:p>
             <a:fld id="{7A2F24EF-E3CF-4685-BFAA-62EDF539F86C}" type="datetimeFigureOut">
               <a:rPr lang="hu-HU" smtClean="0"/>
-              <a:t>2025. 05. 09.</a:t>
+              <a:t>2025. 05. 13.</a:t>
             </a:fld>
             <a:endParaRPr lang="hu-HU"/>
           </a:p>
@@ -768,7 +768,7 @@
           <a:p>
             <a:fld id="{7A2F24EF-E3CF-4685-BFAA-62EDF539F86C}" type="datetimeFigureOut">
               <a:rPr lang="hu-HU" smtClean="0"/>
-              <a:t>2025. 05. 09.</a:t>
+              <a:t>2025. 05. 13.</a:t>
             </a:fld>
             <a:endParaRPr lang="hu-HU"/>
           </a:p>
@@ -1013,7 +1013,7 @@
           <a:p>
             <a:fld id="{7A2F24EF-E3CF-4685-BFAA-62EDF539F86C}" type="datetimeFigureOut">
               <a:rPr lang="hu-HU" smtClean="0"/>
-              <a:t>2025. 05. 09.</a:t>
+              <a:t>2025. 05. 13.</a:t>
             </a:fld>
             <a:endParaRPr lang="hu-HU"/>
           </a:p>
@@ -1242,7 +1242,7 @@
           <a:p>
             <a:fld id="{7A2F24EF-E3CF-4685-BFAA-62EDF539F86C}" type="datetimeFigureOut">
               <a:rPr lang="hu-HU" smtClean="0"/>
-              <a:t>2025. 05. 09.</a:t>
+              <a:t>2025. 05. 13.</a:t>
             </a:fld>
             <a:endParaRPr lang="hu-HU"/>
           </a:p>
@@ -1606,7 +1606,7 @@
           <a:p>
             <a:fld id="{7A2F24EF-E3CF-4685-BFAA-62EDF539F86C}" type="datetimeFigureOut">
               <a:rPr lang="hu-HU" smtClean="0"/>
-              <a:t>2025. 05. 09.</a:t>
+              <a:t>2025. 05. 13.</a:t>
             </a:fld>
             <a:endParaRPr lang="hu-HU"/>
           </a:p>
@@ -1723,7 +1723,7 @@
           <a:p>
             <a:fld id="{7A2F24EF-E3CF-4685-BFAA-62EDF539F86C}" type="datetimeFigureOut">
               <a:rPr lang="hu-HU" smtClean="0"/>
-              <a:t>2025. 05. 09.</a:t>
+              <a:t>2025. 05. 13.</a:t>
             </a:fld>
             <a:endParaRPr lang="hu-HU"/>
           </a:p>
@@ -1818,7 +1818,7 @@
           <a:p>
             <a:fld id="{7A2F24EF-E3CF-4685-BFAA-62EDF539F86C}" type="datetimeFigureOut">
               <a:rPr lang="hu-HU" smtClean="0"/>
-              <a:t>2025. 05. 09.</a:t>
+              <a:t>2025. 05. 13.</a:t>
             </a:fld>
             <a:endParaRPr lang="hu-HU"/>
           </a:p>
@@ -2093,7 +2093,7 @@
           <a:p>
             <a:fld id="{7A2F24EF-E3CF-4685-BFAA-62EDF539F86C}" type="datetimeFigureOut">
               <a:rPr lang="hu-HU" smtClean="0"/>
-              <a:t>2025. 05. 09.</a:t>
+              <a:t>2025. 05. 13.</a:t>
             </a:fld>
             <a:endParaRPr lang="hu-HU"/>
           </a:p>
@@ -2345,7 +2345,7 @@
           <a:p>
             <a:fld id="{7A2F24EF-E3CF-4685-BFAA-62EDF539F86C}" type="datetimeFigureOut">
               <a:rPr lang="hu-HU" smtClean="0"/>
-              <a:t>2025. 05. 09.</a:t>
+              <a:t>2025. 05. 13.</a:t>
             </a:fld>
             <a:endParaRPr lang="hu-HU"/>
           </a:p>
@@ -2556,7 +2556,7 @@
           <a:p>
             <a:fld id="{7A2F24EF-E3CF-4685-BFAA-62EDF539F86C}" type="datetimeFigureOut">
               <a:rPr lang="hu-HU" smtClean="0"/>
-              <a:t>2025. 05. 09.</a:t>
+              <a:t>2025. 05. 13.</a:t>
             </a:fld>
             <a:endParaRPr lang="hu-HU"/>
           </a:p>
@@ -6370,18 +6370,9 @@
               <a:buChar char="•"/>
             </a:pPr>
             <a:r>
-              <a:rPr lang="en-US" sz="2800" dirty="0"/>
-              <a:t>PHP + MVC</a:t>
-            </a:r>
-            <a:r>
               <a:rPr lang="hu-HU" sz="2800" dirty="0"/>
-              <a:t> + </a:t>
-            </a:r>
-            <a:r>
-              <a:rPr lang="en-US" sz="2800" dirty="0"/>
-              <a:t>Router</a:t>
-            </a:r>
-            <a:endParaRPr lang="hu-HU" sz="2800" dirty="0"/>
+              <a:t>PHP + MVC + Router</a:t>
+            </a:r>
           </a:p>
           <a:p>
             <a:pPr marL="457200" indent="-457200">
@@ -6409,8 +6400,45 @@
             </a:pPr>
             <a:r>
               <a:rPr lang="hu-HU" sz="2800" dirty="0"/>
-              <a:t>Session</a:t>
-            </a:r>
+              <a:t>CRUD </a:t>
+            </a:r>
+            <a:r>
+              <a:rPr lang="hu-HU" sz="2800" dirty="0" err="1"/>
+              <a:t>operations</a:t>
+            </a:r>
+            <a:r>
+              <a:rPr lang="hu-HU" sz="2800" dirty="0"/>
+              <a:t>: </a:t>
+            </a:r>
+            <a:r>
+              <a:rPr lang="hu-HU" sz="2800" dirty="0" err="1"/>
+              <a:t>products</a:t>
+            </a:r>
+            <a:r>
+              <a:rPr lang="hu-HU" sz="2800" dirty="0"/>
+              <a:t>, </a:t>
+            </a:r>
+            <a:r>
+              <a:rPr lang="hu-HU" sz="2800" dirty="0" err="1"/>
+              <a:t>partners</a:t>
+            </a:r>
+            <a:r>
+              <a:rPr lang="hu-HU" sz="2800" dirty="0"/>
+              <a:t>, </a:t>
+            </a:r>
+            <a:r>
+              <a:rPr lang="hu-HU" sz="2800" dirty="0" err="1"/>
+              <a:t>employees</a:t>
+            </a:r>
+            <a:r>
+              <a:rPr lang="hu-HU" sz="2800" dirty="0"/>
+              <a:t>, </a:t>
+            </a:r>
+            <a:r>
+              <a:rPr lang="hu-HU" sz="2800" dirty="0" err="1"/>
+              <a:t>sales</a:t>
+            </a:r>
+            <a:endParaRPr lang="hu-HU" sz="2800" dirty="0"/>
           </a:p>
           <a:p>
             <a:pPr marL="457200" indent="-457200">
@@ -6418,8 +6446,16 @@
               <a:buChar char="•"/>
             </a:pPr>
             <a:r>
-              <a:rPr lang="en-US" sz="2800" dirty="0"/>
-              <a:t>Password hashing</a:t>
+              <a:rPr lang="hu-HU" sz="2800" dirty="0" err="1"/>
+              <a:t>Password</a:t>
+            </a:r>
+            <a:r>
+              <a:rPr lang="hu-HU" sz="2800" dirty="0"/>
+              <a:t> </a:t>
+            </a:r>
+            <a:r>
+              <a:rPr lang="hu-HU" sz="2800" dirty="0" err="1"/>
+              <a:t>hashing</a:t>
             </a:r>
             <a:endParaRPr lang="hu-HU" sz="2800" dirty="0"/>
           </a:p>
@@ -6430,15 +6466,31 @@
             </a:pPr>
             <a:r>
               <a:rPr lang="hu-HU" sz="2800" dirty="0" err="1"/>
-              <a:t>Generate</a:t>
+              <a:t>Prepared</a:t>
             </a:r>
             <a:r>
               <a:rPr lang="hu-HU" sz="2800" dirty="0"/>
-              <a:t> PDF </a:t>
+              <a:t> </a:t>
             </a:r>
             <a:r>
               <a:rPr lang="hu-HU" sz="2800" dirty="0" err="1"/>
-              <a:t>bills</a:t>
+              <a:t>statements</a:t>
+            </a:r>
+            <a:r>
+              <a:rPr lang="hu-HU" sz="2800" dirty="0"/>
+              <a:t> </a:t>
+            </a:r>
+            <a:r>
+              <a:rPr lang="hu-HU" sz="2800" dirty="0" err="1"/>
+              <a:t>against</a:t>
+            </a:r>
+            <a:r>
+              <a:rPr lang="hu-HU" sz="2800" dirty="0"/>
+              <a:t> SQL </a:t>
+            </a:r>
+            <a:r>
+              <a:rPr lang="hu-HU" sz="2800" dirty="0" err="1"/>
+              <a:t>injection</a:t>
             </a:r>
             <a:endParaRPr lang="hu-HU" sz="2800" dirty="0"/>
           </a:p>
@@ -6448,20 +6500,16 @@
               <a:buChar char="•"/>
             </a:pPr>
             <a:r>
+              <a:rPr lang="hu-HU" sz="2800" dirty="0" err="1"/>
+              <a:t>Error</a:t>
+            </a:r>
+            <a:r>
               <a:rPr lang="hu-HU" sz="2800" dirty="0"/>
-              <a:t>CRUD </a:t>
+              <a:t> </a:t>
             </a:r>
             <a:r>
               <a:rPr lang="hu-HU" sz="2800" dirty="0" err="1"/>
-              <a:t>operations</a:t>
-            </a:r>
-            <a:r>
-              <a:rPr lang="hu-HU" sz="2800" dirty="0"/>
-              <a:t>: </a:t>
-            </a:r>
-            <a:r>
-              <a:rPr lang="hu-HU" sz="2800" dirty="0" err="1"/>
-              <a:t>products</a:t>
+              <a:t>handling</a:t>
             </a:r>
             <a:r>
               <a:rPr lang="hu-HU" sz="2800" dirty="0"/>
@@ -6469,25 +6517,60 @@
             </a:r>
             <a:r>
               <a:rPr lang="hu-HU" sz="2800" dirty="0" err="1"/>
-              <a:t>partners</a:t>
+              <a:t>validation</a:t>
             </a:r>
             <a:r>
               <a:rPr lang="hu-HU" sz="2800" dirty="0"/>
-              <a:t>, </a:t>
+              <a:t> (</a:t>
             </a:r>
             <a:r>
               <a:rPr lang="hu-HU" sz="2800" dirty="0" err="1"/>
-              <a:t>employees</a:t>
+              <a:t>e.g</a:t>
             </a:r>
             <a:r>
               <a:rPr lang="hu-HU" sz="2800" dirty="0"/>
-              <a:t>, </a:t>
+              <a:t>. </a:t>
             </a:r>
             <a:r>
               <a:rPr lang="hu-HU" sz="2800" dirty="0" err="1"/>
-              <a:t>sales</a:t>
-            </a:r>
-            <a:endParaRPr lang="hu-HU" sz="2800" dirty="0"/>
+              <a:t>handling</a:t>
+            </a:r>
+            <a:r>
+              <a:rPr lang="hu-HU" sz="2800" dirty="0"/>
+              <a:t> </a:t>
+            </a:r>
+            <a:r>
+              <a:rPr lang="hu-HU" sz="2800" dirty="0" err="1"/>
+              <a:t>empty</a:t>
+            </a:r>
+            <a:r>
+              <a:rPr lang="hu-HU" sz="2800" dirty="0"/>
+              <a:t> </a:t>
+            </a:r>
+            <a:r>
+              <a:rPr lang="hu-HU" sz="2800" dirty="0" err="1"/>
+              <a:t>fields</a:t>
+            </a:r>
+            <a:r>
+              <a:rPr lang="hu-HU" sz="2800" dirty="0"/>
+              <a:t>, non-</a:t>
+            </a:r>
+            <a:r>
+              <a:rPr lang="hu-HU" sz="2800" dirty="0" err="1"/>
+              <a:t>existent</a:t>
+            </a:r>
+            <a:r>
+              <a:rPr lang="hu-HU" sz="2800" dirty="0"/>
+              <a:t> </a:t>
+            </a:r>
+            <a:r>
+              <a:rPr lang="hu-HU" sz="2800" dirty="0" err="1"/>
+              <a:t>data</a:t>
+            </a:r>
+            <a:r>
+              <a:rPr lang="hu-HU" sz="2800" dirty="0"/>
+              <a:t>)</a:t>
+            </a:r>
           </a:p>
           <a:p>
             <a:pPr marL="457200" indent="-457200">
@@ -6496,23 +6579,7 @@
             </a:pPr>
             <a:r>
               <a:rPr lang="hu-HU" sz="2800" dirty="0"/>
-              <a:t>PDF </a:t>
-            </a:r>
-            <a:r>
-              <a:rPr lang="hu-HU" sz="2800" dirty="0" err="1"/>
-              <a:t>invoice</a:t>
-            </a:r>
-            <a:r>
-              <a:rPr lang="hu-HU" sz="2800" dirty="0"/>
-              <a:t> </a:t>
-            </a:r>
-            <a:r>
-              <a:rPr lang="hu-HU" sz="2800" dirty="0" err="1"/>
-              <a:t>generation</a:t>
-            </a:r>
-            <a:r>
-              <a:rPr lang="hu-HU" sz="2800" dirty="0"/>
-              <a:t> – TCPDF</a:t>
+              <a:t>Session</a:t>
             </a:r>
           </a:p>
           <a:p>
@@ -6522,76 +6589,17 @@
             </a:pPr>
             <a:r>
               <a:rPr lang="hu-HU" sz="2800" dirty="0" err="1"/>
-              <a:t>Error</a:t>
+              <a:t>Generate</a:t>
             </a:r>
             <a:r>
               <a:rPr lang="hu-HU" sz="2800" dirty="0"/>
-              <a:t> </a:t>
+              <a:t> PDF </a:t>
             </a:r>
             <a:r>
               <a:rPr lang="hu-HU" sz="2800" dirty="0" err="1"/>
-              <a:t>handling</a:t>
-            </a:r>
-            <a:r>
-              <a:rPr lang="hu-HU" sz="2800" dirty="0"/>
-              <a:t>, </a:t>
-            </a:r>
-            <a:r>
-              <a:rPr lang="hu-HU" sz="2800" dirty="0" err="1"/>
-              <a:t>validation</a:t>
-            </a:r>
-            <a:r>
-              <a:rPr lang="hu-HU" sz="2800" dirty="0"/>
-              <a:t> (</a:t>
-            </a:r>
-            <a:r>
-              <a:rPr lang="hu-HU" sz="2800" dirty="0" err="1"/>
-              <a:t>e.g</a:t>
-            </a:r>
-            <a:r>
-              <a:rPr lang="hu-HU" sz="2800" dirty="0"/>
-              <a:t>. </a:t>
-            </a:r>
-            <a:r>
-              <a:rPr lang="hu-HU" sz="2800" dirty="0" err="1"/>
-              <a:t>handling</a:t>
-            </a:r>
-            <a:r>
-              <a:rPr lang="hu-HU" sz="2800" dirty="0"/>
-              <a:t> </a:t>
-            </a:r>
-            <a:r>
-              <a:rPr lang="hu-HU" sz="2800" dirty="0" err="1"/>
-              <a:t>empty</a:t>
-            </a:r>
-            <a:r>
-              <a:rPr lang="hu-HU" sz="2800" dirty="0"/>
-              <a:t> </a:t>
-            </a:r>
-            <a:r>
-              <a:rPr lang="hu-HU" sz="2800" dirty="0" err="1"/>
-              <a:t>fields</a:t>
-            </a:r>
-            <a:r>
-              <a:rPr lang="hu-HU" sz="2800" dirty="0"/>
-              <a:t>, non-</a:t>
-            </a:r>
-            <a:r>
-              <a:rPr lang="hu-HU" sz="2800" dirty="0" err="1"/>
-              <a:t>existent</a:t>
-            </a:r>
-            <a:r>
-              <a:rPr lang="hu-HU" sz="2800" dirty="0"/>
-              <a:t> </a:t>
-            </a:r>
-            <a:r>
-              <a:rPr lang="hu-HU" sz="2800" dirty="0" err="1"/>
-              <a:t>data</a:t>
-            </a:r>
-            <a:r>
-              <a:rPr lang="hu-HU" sz="2800" dirty="0"/>
-              <a:t>)</a:t>
-            </a:r>
+              <a:t>bills</a:t>
+            </a:r>
+            <a:endParaRPr lang="hu-HU" sz="2800" dirty="0"/>
           </a:p>
           <a:p>
             <a:pPr marL="457200" indent="-457200">
@@ -6599,8 +6607,12 @@
               <a:buChar char="•"/>
             </a:pPr>
             <a:r>
+              <a:rPr lang="hu-HU" sz="2800" dirty="0"/>
+              <a:t>PDF </a:t>
+            </a:r>
+            <a:r>
               <a:rPr lang="hu-HU" sz="2800" dirty="0" err="1"/>
-              <a:t>Prepared</a:t>
+              <a:t>invoice</a:t>
             </a:r>
             <a:r>
               <a:rPr lang="hu-HU" sz="2800" dirty="0"/>
@@ -6608,25 +6620,12 @@
             </a:r>
             <a:r>
               <a:rPr lang="hu-HU" sz="2800" dirty="0" err="1"/>
-              <a:t>statements</a:t>
+              <a:t>generation</a:t>
             </a:r>
             <a:r>
               <a:rPr lang="hu-HU" sz="2800" dirty="0"/>
-              <a:t> </a:t>
-            </a:r>
-            <a:r>
-              <a:rPr lang="hu-HU" sz="2800" dirty="0" err="1"/>
-              <a:t>against</a:t>
-            </a:r>
-            <a:r>
-              <a:rPr lang="hu-HU" sz="2800" dirty="0"/>
-              <a:t> SQL </a:t>
-            </a:r>
-            <a:r>
-              <a:rPr lang="hu-HU" sz="2800" dirty="0" err="1"/>
-              <a:t>injection</a:t>
-            </a:r>
-            <a:endParaRPr lang="hu-HU" sz="2800" dirty="0"/>
+              <a:t> – TCPDF</a:t>
+            </a:r>
           </a:p>
         </p:txBody>
       </p:sp>
